--- a/powerpoint/08_OOP與類別.pptx
+++ b/powerpoint/08_OOP與類別.pptx
@@ -7,6 +7,8 @@
   <p:sldIdLst>
     <p:sldId id="256" r:id="rId2"/>
     <p:sldId id="257" r:id="rId3"/>
+    <p:sldId id="258" r:id="rId4"/>
+    <p:sldId id="259" r:id="rId5"/>
   </p:sldIdLst>
   <p:sldSz cx="12192000" cy="6858000"/>
   <p:notesSz cx="6858000" cy="9144000"/>
@@ -7985,7 +7987,10 @@
           <a:bodyPr/>
           <a:lstStyle/>
           <a:p>
-            <a:endParaRPr lang="zh-TW" altLang="en-US"/>
+            <a:r>
+              <a:rPr lang="zh-TW" altLang="en-US"/>
+              <a:t>物件導向</a:t>
+            </a:r>
           </a:p>
         </p:txBody>
       </p:sp>
@@ -8005,12 +8010,194 @@
             <p:ph idx="1"/>
           </p:nvPr>
         </p:nvSpPr>
-        <p:spPr/>
+        <p:spPr>
+          <a:xfrm>
+            <a:off x="838200" y="2399366"/>
+            <a:ext cx="10515600" cy="2620869"/>
+          </a:xfrm>
+        </p:spPr>
         <p:txBody>
           <a:bodyPr/>
           <a:lstStyle/>
           <a:p>
-            <a:endParaRPr lang="zh-TW" altLang="en-US"/>
+            <a:r>
+              <a:rPr lang="zh-TW" altLang="en-US">
+                <a:solidFill>
+                  <a:srgbClr val="FFFF00"/>
+                </a:solidFill>
+              </a:rPr>
+              <a:t>物件導向程式設計</a:t>
+            </a:r>
+            <a:r>
+              <a:rPr lang="en-US" altLang="zh-TW">
+                <a:solidFill>
+                  <a:srgbClr val="FFFF00"/>
+                </a:solidFill>
+              </a:rPr>
+              <a:t>(Object-oriented programming</a:t>
+            </a:r>
+            <a:r>
+              <a:rPr lang="zh-TW" altLang="en-US">
+                <a:solidFill>
+                  <a:srgbClr val="FFFF00"/>
+                </a:solidFill>
+              </a:rPr>
+              <a:t>，簡稱 </a:t>
+            </a:r>
+            <a:r>
+              <a:rPr lang="en-US" altLang="zh-TW">
+                <a:solidFill>
+                  <a:srgbClr val="FFFF00"/>
+                </a:solidFill>
+              </a:rPr>
+              <a:t>OOP)</a:t>
+            </a:r>
+          </a:p>
+          <a:p>
+            <a:r>
+              <a:rPr lang="zh-TW" altLang="en-US"/>
+              <a:t>是指使用</a:t>
+            </a:r>
+            <a:r>
+              <a:rPr lang="zh-TW" altLang="en-US">
+                <a:solidFill>
+                  <a:srgbClr val="00B0F0"/>
+                </a:solidFill>
+              </a:rPr>
+              <a:t>物件</a:t>
+            </a:r>
+            <a:r>
+              <a:rPr lang="en-US" altLang="zh-TW">
+                <a:solidFill>
+                  <a:srgbClr val="00B0F0"/>
+                </a:solidFill>
+              </a:rPr>
+              <a:t>(object)</a:t>
+            </a:r>
+            <a:r>
+              <a:rPr lang="zh-TW" altLang="en-US"/>
+              <a:t>的程式設計模式</a:t>
+            </a:r>
+            <a:endParaRPr lang="en-US" altLang="zh-TW"/>
+          </a:p>
+          <a:p>
+            <a:r>
+              <a:rPr lang="zh-TW" altLang="en-US"/>
+              <a:t>而</a:t>
+            </a:r>
+            <a:r>
+              <a:rPr lang="zh-TW" altLang="en-US">
+                <a:solidFill>
+                  <a:srgbClr val="00B0F0"/>
+                </a:solidFill>
+              </a:rPr>
+              <a:t>物件</a:t>
+            </a:r>
+            <a:r>
+              <a:rPr lang="zh-TW" altLang="en-US"/>
+              <a:t>就是</a:t>
+            </a:r>
+            <a:r>
+              <a:rPr lang="zh-TW" altLang="en-US">
+                <a:solidFill>
+                  <a:srgbClr val="00B0F0"/>
+                </a:solidFill>
+              </a:rPr>
+              <a:t>類別</a:t>
+            </a:r>
+            <a:r>
+              <a:rPr lang="en-US" altLang="zh-TW">
+                <a:solidFill>
+                  <a:srgbClr val="00B0F0"/>
+                </a:solidFill>
+              </a:rPr>
+              <a:t>(class)</a:t>
+            </a:r>
+            <a:r>
+              <a:rPr lang="zh-TW" altLang="en-US"/>
+              <a:t>的</a:t>
+            </a:r>
+            <a:r>
+              <a:rPr lang="zh-TW" altLang="en-US">
+                <a:solidFill>
+                  <a:srgbClr val="00B0F0"/>
+                </a:solidFill>
+              </a:rPr>
+              <a:t>實例</a:t>
+            </a:r>
+            <a:r>
+              <a:rPr lang="en-US" altLang="zh-TW">
+                <a:solidFill>
+                  <a:srgbClr val="00B0F0"/>
+                </a:solidFill>
+              </a:rPr>
+              <a:t>(instance)</a:t>
+            </a:r>
+          </a:p>
+          <a:p>
+            <a:r>
+              <a:rPr lang="zh-TW" altLang="en-US">
+                <a:solidFill>
+                  <a:srgbClr val="00B0F0"/>
+                </a:solidFill>
+              </a:rPr>
+              <a:t>類別</a:t>
+            </a:r>
+            <a:r>
+              <a:rPr lang="zh-TW" altLang="en-US"/>
+              <a:t>定義了</a:t>
+            </a:r>
+            <a:r>
+              <a:rPr lang="zh-TW" altLang="en-US">
+                <a:solidFill>
+                  <a:srgbClr val="00B0F0"/>
+                </a:solidFill>
+              </a:rPr>
+              <a:t>成員</a:t>
+            </a:r>
+            <a:r>
+              <a:rPr lang="en-US" altLang="zh-TW">
+                <a:solidFill>
+                  <a:srgbClr val="00B0F0"/>
+                </a:solidFill>
+              </a:rPr>
+              <a:t>(member)</a:t>
+            </a:r>
+            <a:r>
+              <a:rPr lang="zh-TW" altLang="en-US"/>
+              <a:t>和</a:t>
+            </a:r>
+            <a:r>
+              <a:rPr lang="zh-TW" altLang="en-US">
+                <a:solidFill>
+                  <a:srgbClr val="00B0F0"/>
+                </a:solidFill>
+              </a:rPr>
+              <a:t>方法</a:t>
+            </a:r>
+            <a:r>
+              <a:rPr lang="en-US" altLang="zh-TW">
+                <a:solidFill>
+                  <a:srgbClr val="00B0F0"/>
+                </a:solidFill>
+              </a:rPr>
+              <a:t>(method)</a:t>
+            </a:r>
+          </a:p>
+          <a:p>
+            <a:r>
+              <a:rPr lang="zh-TW" altLang="en-US">
+                <a:solidFill>
+                  <a:srgbClr val="00B0F0"/>
+                </a:solidFill>
+              </a:rPr>
+              <a:t>物件</a:t>
+            </a:r>
+            <a:r>
+              <a:rPr lang="zh-TW" altLang="en-US"/>
+              <a:t>則真正擁有這些東西</a:t>
+            </a:r>
+            <a:endParaRPr lang="en-US" altLang="zh-TW"/>
           </a:p>
         </p:txBody>
       </p:sp>
@@ -8018,6 +8205,2835 @@
     <p:extLst>
       <p:ext uri="{BB962C8B-B14F-4D97-AF65-F5344CB8AC3E}">
         <p14:creationId xmlns:p14="http://schemas.microsoft.com/office/powerpoint/2010/main" val="2733916508"/>
+      </p:ext>
+    </p:extLst>
+  </p:cSld>
+  <p:clrMapOvr>
+    <a:masterClrMapping/>
+  </p:clrMapOvr>
+  <p:transition spd="slow">
+    <p:push dir="u"/>
+  </p:transition>
+</p:sld>
+</file>
+
+<file path=ppt/slides/slide3.xml><?xml version="1.0" encoding="utf-8"?>
+<p:sld xmlns:a="http://schemas.openxmlformats.org/drawingml/2006/main" xmlns:r="http://schemas.openxmlformats.org/officeDocument/2006/relationships" xmlns:p="http://schemas.openxmlformats.org/presentationml/2006/main">
+  <p:cSld>
+    <p:spTree>
+      <p:nvGrpSpPr>
+        <p:cNvPr id="1" name=""/>
+        <p:cNvGrpSpPr/>
+        <p:nvPr/>
+      </p:nvGrpSpPr>
+      <p:grpSpPr>
+        <a:xfrm>
+          <a:off x="0" y="0"/>
+          <a:ext cx="0" cy="0"/>
+          <a:chOff x="0" y="0"/>
+          <a:chExt cx="0" cy="0"/>
+        </a:xfrm>
+      </p:grpSpPr>
+      <p:sp>
+        <p:nvSpPr>
+          <p:cNvPr id="2" name="標題 1">
+            <a:extLst>
+              <a:ext uri="{FF2B5EF4-FFF2-40B4-BE49-F238E27FC236}">
+                <a16:creationId xmlns:a16="http://schemas.microsoft.com/office/drawing/2014/main" id="{3BE172E3-BB34-449E-9621-E937AE1BCF55}"/>
+              </a:ext>
+            </a:extLst>
+          </p:cNvPr>
+          <p:cNvSpPr>
+            <a:spLocks noGrp="1"/>
+          </p:cNvSpPr>
+          <p:nvPr>
+            <p:ph type="title"/>
+          </p:nvPr>
+        </p:nvSpPr>
+        <p:spPr>
+          <a:xfrm>
+            <a:off x="838200" y="365125"/>
+            <a:ext cx="10515600" cy="1325563"/>
+          </a:xfrm>
+        </p:spPr>
+        <p:txBody>
+          <a:bodyPr/>
+          <a:lstStyle/>
+          <a:p>
+            <a:r>
+              <a:rPr lang="zh-TW" altLang="en-US"/>
+              <a:t>類別</a:t>
+            </a:r>
+          </a:p>
+        </p:txBody>
+      </p:sp>
+      <p:sp>
+        <p:nvSpPr>
+          <p:cNvPr id="14" name="內容版面配置區 13">
+            <a:extLst>
+              <a:ext uri="{FF2B5EF4-FFF2-40B4-BE49-F238E27FC236}">
+                <a16:creationId xmlns:a16="http://schemas.microsoft.com/office/drawing/2014/main" id="{05E0E517-0065-42A8-8BF5-78FBE742AE14}"/>
+              </a:ext>
+            </a:extLst>
+          </p:cNvPr>
+          <p:cNvSpPr>
+            <a:spLocks noGrp="1"/>
+          </p:cNvSpPr>
+          <p:nvPr>
+            <p:ph idx="1"/>
+          </p:nvPr>
+        </p:nvSpPr>
+        <p:spPr>
+          <a:xfrm>
+            <a:off x="838200" y="1690688"/>
+            <a:ext cx="10515600" cy="4621212"/>
+          </a:xfrm>
+        </p:spPr>
+        <p:txBody>
+          <a:bodyPr>
+            <a:normAutofit/>
+          </a:bodyPr>
+          <a:lstStyle/>
+          <a:p>
+            <a:r>
+              <a:rPr lang="zh-TW" altLang="en-US">
+                <a:solidFill>
+                  <a:srgbClr val="00B0F0"/>
+                </a:solidFill>
+                <a:latin typeface="+mj-lt"/>
+              </a:rPr>
+              <a:t>類別</a:t>
+            </a:r>
+            <a:r>
+              <a:rPr lang="zh-TW" altLang="en-US">
+                <a:latin typeface="+mj-lt"/>
+              </a:rPr>
+              <a:t>的定義方式如右</a:t>
+            </a:r>
+            <a:endParaRPr lang="en-US" altLang="zh-TW">
+              <a:latin typeface="+mj-lt"/>
+            </a:endParaRPr>
+          </a:p>
+          <a:p>
+            <a:r>
+              <a:rPr lang="zh-TW" altLang="en-US">
+                <a:latin typeface="+mj-lt"/>
+              </a:rPr>
+              <a:t>也可以在前方加上</a:t>
+            </a:r>
+            <a:endParaRPr lang="en-US" altLang="zh-TW">
+              <a:latin typeface="+mj-lt"/>
+            </a:endParaRPr>
+          </a:p>
+          <a:p>
+            <a:r>
+              <a:rPr lang="zh-TW" altLang="en-US">
+                <a:solidFill>
+                  <a:srgbClr val="00B0F0"/>
+                </a:solidFill>
+                <a:latin typeface="+mj-lt"/>
+              </a:rPr>
+              <a:t>存取修飾子</a:t>
+            </a:r>
+            <a:r>
+              <a:rPr lang="en-US" altLang="zh-TW">
+                <a:solidFill>
+                  <a:srgbClr val="00B0F0"/>
+                </a:solidFill>
+                <a:latin typeface="+mj-lt"/>
+              </a:rPr>
+              <a:t>(Access Modifier)</a:t>
+            </a:r>
+            <a:r>
+              <a:rPr lang="zh-TW" altLang="en-US">
+                <a:latin typeface="+mj-lt"/>
+              </a:rPr>
+              <a:t>中的</a:t>
+            </a:r>
+            <a:r>
+              <a:rPr lang="en-US" altLang="zh-TW">
+                <a:latin typeface="+mj-lt"/>
+              </a:rPr>
+              <a:t> </a:t>
+            </a:r>
+            <a:r>
+              <a:rPr lang="en-US" altLang="zh-TW">
+                <a:solidFill>
+                  <a:srgbClr val="CF8E6D"/>
+                </a:solidFill>
+                <a:latin typeface="+mj-lt"/>
+              </a:rPr>
+              <a:t>public</a:t>
+            </a:r>
+          </a:p>
+          <a:p>
+            <a:r>
+              <a:rPr lang="zh-TW" altLang="en-US">
+                <a:latin typeface="+mj-lt"/>
+              </a:rPr>
+              <a:t>表示</a:t>
+            </a:r>
+            <a:r>
+              <a:rPr lang="zh-TW" altLang="en-US">
+                <a:solidFill>
+                  <a:srgbClr val="FFFF00"/>
+                </a:solidFill>
+                <a:latin typeface="+mj-lt"/>
+              </a:rPr>
+              <a:t>公開的</a:t>
+            </a:r>
+          </a:p>
+          <a:p>
+            <a:endParaRPr lang="en-US" altLang="zh-TW">
+              <a:latin typeface="+mj-lt"/>
+            </a:endParaRPr>
+          </a:p>
+          <a:p>
+            <a:r>
+              <a:rPr lang="zh-TW" altLang="en-US">
+                <a:latin typeface="+mj-lt"/>
+              </a:rPr>
+              <a:t>一個檔案中</a:t>
+            </a:r>
+            <a:endParaRPr lang="en-US" altLang="zh-TW">
+              <a:latin typeface="+mj-lt"/>
+            </a:endParaRPr>
+          </a:p>
+          <a:p>
+            <a:r>
+              <a:rPr lang="zh-TW" altLang="en-US">
+                <a:latin typeface="+mj-lt"/>
+              </a:rPr>
+              <a:t>可以有多個</a:t>
+            </a:r>
+            <a:r>
+              <a:rPr lang="zh-TW" altLang="en-US">
+                <a:solidFill>
+                  <a:srgbClr val="00B0F0"/>
+                </a:solidFill>
+                <a:latin typeface="+mj-lt"/>
+              </a:rPr>
+              <a:t>頂級</a:t>
+            </a:r>
+            <a:r>
+              <a:rPr lang="en-US" altLang="zh-TW">
+                <a:solidFill>
+                  <a:srgbClr val="00B0F0"/>
+                </a:solidFill>
+                <a:latin typeface="+mj-lt"/>
+              </a:rPr>
+              <a:t>(top level)</a:t>
+            </a:r>
+            <a:r>
+              <a:rPr lang="zh-TW" altLang="en-US">
+                <a:solidFill>
+                  <a:srgbClr val="00B0F0"/>
+                </a:solidFill>
+                <a:latin typeface="+mj-lt"/>
+              </a:rPr>
+              <a:t>類別</a:t>
+            </a:r>
+            <a:endParaRPr lang="en-US" altLang="zh-TW">
+              <a:solidFill>
+                <a:srgbClr val="00B0F0"/>
+              </a:solidFill>
+              <a:latin typeface="+mj-lt"/>
+            </a:endParaRPr>
+          </a:p>
+          <a:p>
+            <a:r>
+              <a:rPr lang="zh-TW" altLang="en-US">
+                <a:latin typeface="+mj-lt"/>
+              </a:rPr>
+              <a:t>但只能有一個</a:t>
+            </a:r>
+            <a:r>
+              <a:rPr lang="zh-TW" altLang="en-US">
+                <a:solidFill>
+                  <a:srgbClr val="00B0F0"/>
+                </a:solidFill>
+                <a:latin typeface="+mj-lt"/>
+              </a:rPr>
+              <a:t>公開頂級類別</a:t>
+            </a:r>
+            <a:endParaRPr lang="en-US" altLang="zh-TW">
+              <a:solidFill>
+                <a:srgbClr val="00B0F0"/>
+              </a:solidFill>
+              <a:latin typeface="+mj-lt"/>
+            </a:endParaRPr>
+          </a:p>
+          <a:p>
+            <a:r>
+              <a:rPr lang="zh-TW" altLang="en-US">
+                <a:latin typeface="+mj-lt"/>
+              </a:rPr>
+              <a:t>且</a:t>
+            </a:r>
+            <a:r>
+              <a:rPr lang="zh-TW" altLang="en-US">
+                <a:solidFill>
+                  <a:srgbClr val="00B0F0"/>
+                </a:solidFill>
+                <a:latin typeface="+mj-lt"/>
+              </a:rPr>
+              <a:t>公開頂級類別</a:t>
+            </a:r>
+            <a:r>
+              <a:rPr lang="zh-TW" altLang="en-US">
+                <a:latin typeface="+mj-lt"/>
+              </a:rPr>
+              <a:t>的名稱要和檔名一致</a:t>
+            </a:r>
+          </a:p>
+        </p:txBody>
+      </p:sp>
+      <p:grpSp>
+        <p:nvGrpSpPr>
+          <p:cNvPr id="8" name="群組 7">
+            <a:extLst>
+              <a:ext uri="{FF2B5EF4-FFF2-40B4-BE49-F238E27FC236}">
+                <a16:creationId xmlns:a16="http://schemas.microsoft.com/office/drawing/2014/main" id="{AA58B64F-F778-42D3-A650-0351DAD980D5}"/>
+              </a:ext>
+            </a:extLst>
+          </p:cNvPr>
+          <p:cNvGrpSpPr/>
+          <p:nvPr/>
+        </p:nvGrpSpPr>
+        <p:grpSpPr>
+          <a:xfrm>
+            <a:off x="8516470" y="1690688"/>
+            <a:ext cx="2837330" cy="1569660"/>
+            <a:chOff x="2810435" y="2617694"/>
+            <a:chExt cx="2837330" cy="1569660"/>
+          </a:xfrm>
+        </p:grpSpPr>
+        <p:sp>
+          <p:nvSpPr>
+            <p:cNvPr id="4" name="Rectangle 1">
+              <a:extLst>
+                <a:ext uri="{FF2B5EF4-FFF2-40B4-BE49-F238E27FC236}">
+                  <a16:creationId xmlns:a16="http://schemas.microsoft.com/office/drawing/2014/main" id="{0F606AAC-C663-4E0A-846B-356816037CEF}"/>
+                </a:ext>
+              </a:extLst>
+            </p:cNvPr>
+            <p:cNvSpPr>
+              <a:spLocks noChangeArrowheads="1"/>
+            </p:cNvSpPr>
+            <p:nvPr/>
+          </p:nvSpPr>
+          <p:spPr bwMode="auto">
+            <a:xfrm>
+              <a:off x="2810435" y="2617694"/>
+              <a:ext cx="2837329" cy="1569660"/>
+            </a:xfrm>
+            <a:prstGeom prst="rect">
+              <a:avLst/>
+            </a:prstGeom>
+            <a:solidFill>
+              <a:srgbClr val="1E1F22"/>
+            </a:solidFill>
+            <a:ln>
+              <a:noFill/>
+            </a:ln>
+            <a:effectLst/>
+            <a:extLst>
+              <a:ext uri="{91240B29-F687-4F45-9708-019B960494DF}">
+                <a14:hiddenLine xmlns:a14="http://schemas.microsoft.com/office/drawing/2010/main" w="9525">
+                  <a:solidFill>
+                    <a:schemeClr val="tx1"/>
+                  </a:solidFill>
+                  <a:miter lim="800000"/>
+                  <a:headEnd/>
+                  <a:tailEnd/>
+                </a14:hiddenLine>
+              </a:ext>
+              <a:ext uri="{AF507438-7753-43E0-B8FC-AC1667EBCBE1}">
+                <a14:hiddenEffects xmlns:a14="http://schemas.microsoft.com/office/drawing/2010/main">
+                  <a:effectLst>
+                    <a:outerShdw dist="35921" dir="2700000" algn="ctr" rotWithShape="0">
+                      <a:schemeClr val="bg2"/>
+                    </a:outerShdw>
+                  </a:effectLst>
+                </a14:hiddenEffects>
+              </a:ext>
+            </a:extLst>
+          </p:spPr>
+          <p:txBody>
+            <a:bodyPr vert="horz" wrap="square" lIns="91440" tIns="45720" rIns="91440" bIns="45720" numCol="1" anchor="ctr" anchorCtr="0" compatLnSpc="1">
+              <a:prstTxWarp prst="textNoShape">
+                <a:avLst/>
+              </a:prstTxWarp>
+              <a:spAutoFit/>
+            </a:bodyPr>
+            <a:lstStyle/>
+            <a:p>
+              <a:pPr marL="0" marR="0" lvl="0" indent="0" algn="l" defTabSz="914400" rtl="0" eaLnBrk="0" fontAlgn="base" latinLnBrk="0" hangingPunct="0">
+                <a:lnSpc>
+                  <a:spcPct val="100000"/>
+                </a:lnSpc>
+                <a:spcBef>
+                  <a:spcPct val="0"/>
+                </a:spcBef>
+                <a:spcAft>
+                  <a:spcPct val="0"/>
+                </a:spcAft>
+                <a:buClrTx/>
+                <a:buSzTx/>
+                <a:buFontTx/>
+                <a:buNone/>
+                <a:tabLst/>
+              </a:pPr>
+              <a:r>
+                <a:rPr kumimoji="0" lang="zh-TW" altLang="zh-TW" sz="2400" b="0" i="0" u="none" strike="noStrike" cap="none" normalizeH="0" baseline="0">
+                  <a:ln>
+                    <a:noFill/>
+                  </a:ln>
+                  <a:solidFill>
+                    <a:srgbClr val="CF8E6D"/>
+                  </a:solidFill>
+                  <a:effectLst/>
+                  <a:latin typeface="+mj-lt"/>
+                  <a:cs typeface="JetBrains Mono" panose="02000009000000000000" pitchFamily="49" charset="0"/>
+                </a:rPr>
+                <a:t>class </a:t>
+              </a:r>
+              <a:r>
+                <a:rPr kumimoji="0" lang="zh-TW" altLang="zh-TW" sz="2400" b="0" i="0" u="none" strike="noStrike" cap="none" normalizeH="0" baseline="0">
+                  <a:ln>
+                    <a:noFill/>
+                  </a:ln>
+                  <a:solidFill>
+                    <a:srgbClr val="00B0F0"/>
+                  </a:solidFill>
+                  <a:effectLst/>
+                  <a:latin typeface="+mj-lt"/>
+                  <a:ea typeface="微軟正黑體" panose="020B0604030504040204" pitchFamily="34" charset="-120"/>
+                  <a:cs typeface="JetBrains Mono" panose="02000009000000000000" pitchFamily="49" charset="0"/>
+                </a:rPr>
+                <a:t>類別名稱 </a:t>
+              </a:r>
+              <a:r>
+                <a:rPr kumimoji="0" lang="zh-TW" altLang="zh-TW" sz="2400" b="0" i="0" u="none" strike="noStrike" cap="none" normalizeH="0" baseline="0">
+                  <a:ln>
+                    <a:noFill/>
+                  </a:ln>
+                  <a:solidFill>
+                    <a:srgbClr val="BCBEC4"/>
+                  </a:solidFill>
+                  <a:effectLst/>
+                  <a:latin typeface="+mj-lt"/>
+                  <a:cs typeface="JetBrains Mono" panose="02000009000000000000" pitchFamily="49" charset="0"/>
+                </a:rPr>
+                <a:t>{</a:t>
+              </a:r>
+              <a:br>
+                <a:rPr kumimoji="0" lang="zh-TW" altLang="zh-TW" sz="2400" b="0" i="0" u="none" strike="noStrike" cap="none" normalizeH="0" baseline="0">
+                  <a:ln>
+                    <a:noFill/>
+                  </a:ln>
+                  <a:solidFill>
+                    <a:srgbClr val="BCBEC4"/>
+                  </a:solidFill>
+                  <a:effectLst/>
+                  <a:latin typeface="+mj-lt"/>
+                  <a:cs typeface="JetBrains Mono" panose="02000009000000000000" pitchFamily="49" charset="0"/>
+                </a:rPr>
+              </a:br>
+              <a:r>
+                <a:rPr kumimoji="0" lang="zh-TW" altLang="zh-TW" sz="2400" b="0" i="0" u="none" strike="noStrike" cap="none" normalizeH="0" baseline="0">
+                  <a:ln>
+                    <a:noFill/>
+                  </a:ln>
+                  <a:solidFill>
+                    <a:srgbClr val="BCBEC4"/>
+                  </a:solidFill>
+                  <a:effectLst/>
+                  <a:latin typeface="+mj-lt"/>
+                  <a:cs typeface="JetBrains Mono" panose="02000009000000000000" pitchFamily="49" charset="0"/>
+                </a:rPr>
+                <a:t>    </a:t>
+              </a:r>
+              <a:r>
+                <a:rPr lang="zh-TW" altLang="en-US" sz="2400">
+                  <a:solidFill>
+                    <a:srgbClr val="FFFF00"/>
+                  </a:solidFill>
+                  <a:latin typeface="+mj-lt"/>
+                  <a:cs typeface="JetBrains Mono" panose="02000009000000000000" pitchFamily="49" charset="0"/>
+                </a:rPr>
+                <a:t>成員</a:t>
+              </a:r>
+              <a:r>
+                <a:rPr kumimoji="0" lang="zh-TW" altLang="zh-TW" sz="2400" b="0" i="0" u="none" strike="noStrike" cap="none" normalizeH="0" baseline="0">
+                  <a:ln>
+                    <a:noFill/>
+                  </a:ln>
+                  <a:solidFill>
+                    <a:srgbClr val="FFFF00"/>
+                  </a:solidFill>
+                  <a:effectLst/>
+                  <a:latin typeface="+mj-lt"/>
+                  <a:cs typeface="JetBrains Mono" panose="02000009000000000000" pitchFamily="49" charset="0"/>
+                </a:rPr>
+                <a:t>...</a:t>
+              </a:r>
+              <a:endParaRPr kumimoji="0" lang="en-US" altLang="zh-TW" sz="2400" b="0" i="0" u="none" strike="noStrike" cap="none" normalizeH="0" baseline="0">
+                <a:ln>
+                  <a:noFill/>
+                </a:ln>
+                <a:solidFill>
+                  <a:srgbClr val="FFFF00"/>
+                </a:solidFill>
+                <a:effectLst/>
+                <a:latin typeface="+mj-lt"/>
+                <a:cs typeface="JetBrains Mono" panose="02000009000000000000" pitchFamily="49" charset="0"/>
+              </a:endParaRPr>
+            </a:p>
+            <a:p>
+              <a:pPr marL="0" marR="0" lvl="0" indent="0" algn="l" defTabSz="914400" rtl="0" eaLnBrk="0" fontAlgn="base" latinLnBrk="0" hangingPunct="0">
+                <a:lnSpc>
+                  <a:spcPct val="100000"/>
+                </a:lnSpc>
+                <a:spcBef>
+                  <a:spcPct val="0"/>
+                </a:spcBef>
+                <a:spcAft>
+                  <a:spcPct val="0"/>
+                </a:spcAft>
+                <a:buClrTx/>
+                <a:buSzTx/>
+                <a:buFontTx/>
+                <a:buNone/>
+                <a:tabLst/>
+              </a:pPr>
+              <a:r>
+                <a:rPr lang="en-US" altLang="zh-TW" sz="2400">
+                  <a:solidFill>
+                    <a:srgbClr val="BCBEC4"/>
+                  </a:solidFill>
+                  <a:latin typeface="+mj-lt"/>
+                  <a:cs typeface="JetBrains Mono" panose="02000009000000000000" pitchFamily="49" charset="0"/>
+                </a:rPr>
+                <a:t>    </a:t>
+              </a:r>
+              <a:r>
+                <a:rPr kumimoji="0" lang="zh-TW" altLang="en-US" sz="2400" b="0" i="0" u="none" strike="noStrike" cap="none" normalizeH="0" baseline="0">
+                  <a:ln>
+                    <a:noFill/>
+                  </a:ln>
+                  <a:solidFill>
+                    <a:srgbClr val="FFFF00"/>
+                  </a:solidFill>
+                  <a:effectLst/>
+                  <a:latin typeface="+mj-lt"/>
+                  <a:cs typeface="JetBrains Mono" panose="02000009000000000000" pitchFamily="49" charset="0"/>
+                </a:rPr>
+                <a:t>方法</a:t>
+              </a:r>
+              <a:r>
+                <a:rPr kumimoji="0" lang="zh-TW" altLang="zh-TW" sz="2400" b="0" i="0" u="none" strike="noStrike" cap="none" normalizeH="0" baseline="0">
+                  <a:ln>
+                    <a:noFill/>
+                  </a:ln>
+                  <a:solidFill>
+                    <a:srgbClr val="FFFF00"/>
+                  </a:solidFill>
+                  <a:effectLst/>
+                  <a:latin typeface="+mj-lt"/>
+                  <a:cs typeface="JetBrains Mono" panose="02000009000000000000" pitchFamily="49" charset="0"/>
+                </a:rPr>
+                <a:t>...</a:t>
+              </a:r>
+              <a:br>
+                <a:rPr kumimoji="0" lang="zh-TW" altLang="zh-TW" sz="2400" b="0" i="0" u="none" strike="noStrike" cap="none" normalizeH="0" baseline="0">
+                  <a:ln>
+                    <a:noFill/>
+                  </a:ln>
+                  <a:solidFill>
+                    <a:srgbClr val="BCBEC4"/>
+                  </a:solidFill>
+                  <a:effectLst/>
+                  <a:latin typeface="+mj-lt"/>
+                  <a:cs typeface="JetBrains Mono" panose="02000009000000000000" pitchFamily="49" charset="0"/>
+                </a:rPr>
+              </a:br>
+              <a:r>
+                <a:rPr kumimoji="0" lang="zh-TW" altLang="zh-TW" sz="2400" b="0" i="0" u="none" strike="noStrike" cap="none" normalizeH="0" baseline="0">
+                  <a:ln>
+                    <a:noFill/>
+                  </a:ln>
+                  <a:solidFill>
+                    <a:srgbClr val="BCBEC4"/>
+                  </a:solidFill>
+                  <a:effectLst/>
+                  <a:latin typeface="+mj-lt"/>
+                  <a:cs typeface="JetBrains Mono" panose="02000009000000000000" pitchFamily="49" charset="0"/>
+                </a:rPr>
+                <a:t>}</a:t>
+              </a:r>
+              <a:endParaRPr kumimoji="0" lang="zh-TW" altLang="zh-TW" sz="2400" b="0" i="0" u="none" strike="noStrike" cap="none" normalizeH="0" baseline="0">
+                <a:ln>
+                  <a:noFill/>
+                </a:ln>
+                <a:solidFill>
+                  <a:schemeClr val="tx1"/>
+                </a:solidFill>
+                <a:effectLst/>
+                <a:latin typeface="+mj-lt"/>
+              </a:endParaRPr>
+            </a:p>
+          </p:txBody>
+        </p:sp>
+        <p:sp>
+          <p:nvSpPr>
+            <p:cNvPr id="7" name="文字方塊 6">
+              <a:extLst>
+                <a:ext uri="{FF2B5EF4-FFF2-40B4-BE49-F238E27FC236}">
+                  <a16:creationId xmlns:a16="http://schemas.microsoft.com/office/drawing/2014/main" id="{3DF18489-3552-4146-A9D8-F4E3DDB23F34}"/>
+                </a:ext>
+              </a:extLst>
+            </p:cNvPr>
+            <p:cNvSpPr txBox="1"/>
+            <p:nvPr/>
+          </p:nvSpPr>
+          <p:spPr>
+            <a:xfrm>
+              <a:off x="4956550" y="3818022"/>
+              <a:ext cx="691215" cy="369332"/>
+            </a:xfrm>
+            <a:prstGeom prst="rect">
+              <a:avLst/>
+            </a:prstGeom>
+            <a:noFill/>
+          </p:spPr>
+          <p:txBody>
+            <a:bodyPr wrap="none" rtlCol="0">
+              <a:spAutoFit/>
+            </a:bodyPr>
+            <a:lstStyle/>
+            <a:p>
+              <a:r>
+                <a:rPr lang="en-US" altLang="zh-TW">
+                  <a:solidFill>
+                    <a:schemeClr val="accent3"/>
+                  </a:solidFill>
+                </a:rPr>
+                <a:t>java</a:t>
+              </a:r>
+              <a:endParaRPr lang="zh-TW" altLang="en-US">
+                <a:solidFill>
+                  <a:schemeClr val="accent3"/>
+                </a:solidFill>
+              </a:endParaRPr>
+            </a:p>
+          </p:txBody>
+        </p:sp>
+      </p:grpSp>
+      <p:grpSp>
+        <p:nvGrpSpPr>
+          <p:cNvPr id="10" name="群組 9">
+            <a:extLst>
+              <a:ext uri="{FF2B5EF4-FFF2-40B4-BE49-F238E27FC236}">
+                <a16:creationId xmlns:a16="http://schemas.microsoft.com/office/drawing/2014/main" id="{53E1905D-35F2-4296-9374-FF9751829747}"/>
+              </a:ext>
+            </a:extLst>
+          </p:cNvPr>
+          <p:cNvGrpSpPr/>
+          <p:nvPr/>
+        </p:nvGrpSpPr>
+        <p:grpSpPr>
+          <a:xfrm>
+            <a:off x="7109012" y="4742240"/>
+            <a:ext cx="4244789" cy="1569660"/>
+            <a:chOff x="7109012" y="2617694"/>
+            <a:chExt cx="4244789" cy="1569660"/>
+          </a:xfrm>
+        </p:grpSpPr>
+        <p:sp>
+          <p:nvSpPr>
+            <p:cNvPr id="6" name="Rectangle 1">
+              <a:extLst>
+                <a:ext uri="{FF2B5EF4-FFF2-40B4-BE49-F238E27FC236}">
+                  <a16:creationId xmlns:a16="http://schemas.microsoft.com/office/drawing/2014/main" id="{52C6E13E-268B-4B28-8372-E08AF7E481D4}"/>
+                </a:ext>
+              </a:extLst>
+            </p:cNvPr>
+            <p:cNvSpPr>
+              <a:spLocks noChangeArrowheads="1"/>
+            </p:cNvSpPr>
+            <p:nvPr/>
+          </p:nvSpPr>
+          <p:spPr bwMode="auto">
+            <a:xfrm>
+              <a:off x="7109012" y="2617694"/>
+              <a:ext cx="4244789" cy="1569660"/>
+            </a:xfrm>
+            <a:prstGeom prst="rect">
+              <a:avLst/>
+            </a:prstGeom>
+            <a:solidFill>
+              <a:srgbClr val="1E1F22"/>
+            </a:solidFill>
+            <a:ln>
+              <a:noFill/>
+            </a:ln>
+            <a:effectLst/>
+            <a:extLst>
+              <a:ext uri="{91240B29-F687-4F45-9708-019B960494DF}">
+                <a14:hiddenLine xmlns:a14="http://schemas.microsoft.com/office/drawing/2010/main" w="9525">
+                  <a:solidFill>
+                    <a:schemeClr val="tx1"/>
+                  </a:solidFill>
+                  <a:miter lim="800000"/>
+                  <a:headEnd/>
+                  <a:tailEnd/>
+                </a14:hiddenLine>
+              </a:ext>
+              <a:ext uri="{AF507438-7753-43E0-B8FC-AC1667EBCBE1}">
+                <a14:hiddenEffects xmlns:a14="http://schemas.microsoft.com/office/drawing/2010/main">
+                  <a:effectLst>
+                    <a:outerShdw dist="35921" dir="2700000" algn="ctr" rotWithShape="0">
+                      <a:schemeClr val="bg2"/>
+                    </a:outerShdw>
+                  </a:effectLst>
+                </a14:hiddenEffects>
+              </a:ext>
+            </a:extLst>
+          </p:spPr>
+          <p:txBody>
+            <a:bodyPr vert="horz" wrap="square" lIns="91440" tIns="45720" rIns="91440" bIns="45720" numCol="1" anchor="ctr" anchorCtr="0" compatLnSpc="1">
+              <a:prstTxWarp prst="textNoShape">
+                <a:avLst/>
+              </a:prstTxWarp>
+              <a:spAutoFit/>
+            </a:bodyPr>
+            <a:lstStyle/>
+            <a:p>
+              <a:pPr marL="0" marR="0" lvl="0" indent="0" algn="l" defTabSz="914400" rtl="0" eaLnBrk="0" fontAlgn="base" latinLnBrk="0" hangingPunct="0">
+                <a:lnSpc>
+                  <a:spcPct val="100000"/>
+                </a:lnSpc>
+                <a:spcBef>
+                  <a:spcPct val="0"/>
+                </a:spcBef>
+                <a:spcAft>
+                  <a:spcPct val="0"/>
+                </a:spcAft>
+                <a:buClrTx/>
+                <a:buSzTx/>
+                <a:buFontTx/>
+                <a:buNone/>
+                <a:tabLst/>
+              </a:pPr>
+              <a:r>
+                <a:rPr kumimoji="0" lang="en-US" altLang="zh-TW" sz="2400" b="0" i="0" u="none" strike="noStrike" cap="none" normalizeH="0" baseline="0">
+                  <a:ln>
+                    <a:noFill/>
+                  </a:ln>
+                  <a:solidFill>
+                    <a:srgbClr val="CF8E6D"/>
+                  </a:solidFill>
+                  <a:effectLst/>
+                  <a:latin typeface="+mj-lt"/>
+                  <a:cs typeface="JetBrains Mono" panose="02000009000000000000" pitchFamily="49" charset="0"/>
+                </a:rPr>
+                <a:t>public </a:t>
+              </a:r>
+              <a:r>
+                <a:rPr kumimoji="0" lang="zh-TW" altLang="zh-TW" sz="2400" b="0" i="0" u="none" strike="noStrike" cap="none" normalizeH="0" baseline="0">
+                  <a:ln>
+                    <a:noFill/>
+                  </a:ln>
+                  <a:solidFill>
+                    <a:srgbClr val="CF8E6D"/>
+                  </a:solidFill>
+                  <a:effectLst/>
+                  <a:latin typeface="+mj-lt"/>
+                  <a:cs typeface="JetBrains Mono" panose="02000009000000000000" pitchFamily="49" charset="0"/>
+                </a:rPr>
+                <a:t>class </a:t>
+              </a:r>
+              <a:r>
+                <a:rPr kumimoji="0" lang="zh-TW" altLang="zh-TW" sz="2400" b="0" i="0" u="none" strike="noStrike" cap="none" normalizeH="0" baseline="0">
+                  <a:ln>
+                    <a:noFill/>
+                  </a:ln>
+                  <a:solidFill>
+                    <a:srgbClr val="00B0F0"/>
+                  </a:solidFill>
+                  <a:effectLst/>
+                  <a:latin typeface="+mj-lt"/>
+                  <a:ea typeface="微軟正黑體" panose="020B0604030504040204" pitchFamily="34" charset="-120"/>
+                  <a:cs typeface="JetBrains Mono" panose="02000009000000000000" pitchFamily="49" charset="0"/>
+                </a:rPr>
+                <a:t>類別名稱 </a:t>
+              </a:r>
+              <a:r>
+                <a:rPr kumimoji="0" lang="zh-TW" altLang="zh-TW" sz="2400" b="0" i="0" u="none" strike="noStrike" cap="none" normalizeH="0" baseline="0">
+                  <a:ln>
+                    <a:noFill/>
+                  </a:ln>
+                  <a:solidFill>
+                    <a:srgbClr val="BCBEC4"/>
+                  </a:solidFill>
+                  <a:effectLst/>
+                  <a:latin typeface="+mj-lt"/>
+                  <a:cs typeface="JetBrains Mono" panose="02000009000000000000" pitchFamily="49" charset="0"/>
+                </a:rPr>
+                <a:t>{</a:t>
+              </a:r>
+              <a:br>
+                <a:rPr kumimoji="0" lang="zh-TW" altLang="zh-TW" sz="2400" b="0" i="0" u="none" strike="noStrike" cap="none" normalizeH="0" baseline="0">
+                  <a:ln>
+                    <a:noFill/>
+                  </a:ln>
+                  <a:solidFill>
+                    <a:srgbClr val="BCBEC4"/>
+                  </a:solidFill>
+                  <a:effectLst/>
+                  <a:latin typeface="+mj-lt"/>
+                  <a:cs typeface="JetBrains Mono" panose="02000009000000000000" pitchFamily="49" charset="0"/>
+                </a:rPr>
+              </a:br>
+              <a:r>
+                <a:rPr kumimoji="0" lang="zh-TW" altLang="zh-TW" sz="2400" b="0" i="0" u="none" strike="noStrike" cap="none" normalizeH="0" baseline="0">
+                  <a:ln>
+                    <a:noFill/>
+                  </a:ln>
+                  <a:solidFill>
+                    <a:srgbClr val="BCBEC4"/>
+                  </a:solidFill>
+                  <a:effectLst/>
+                  <a:latin typeface="+mj-lt"/>
+                  <a:cs typeface="JetBrains Mono" panose="02000009000000000000" pitchFamily="49" charset="0"/>
+                </a:rPr>
+                <a:t>    </a:t>
+              </a:r>
+              <a:r>
+                <a:rPr lang="zh-TW" altLang="en-US" sz="2400">
+                  <a:solidFill>
+                    <a:srgbClr val="FFFF00"/>
+                  </a:solidFill>
+                  <a:latin typeface="+mj-lt"/>
+                  <a:cs typeface="JetBrains Mono" panose="02000009000000000000" pitchFamily="49" charset="0"/>
+                </a:rPr>
+                <a:t>成員</a:t>
+              </a:r>
+              <a:r>
+                <a:rPr kumimoji="0" lang="zh-TW" altLang="zh-TW" sz="2400" b="0" i="0" u="none" strike="noStrike" cap="none" normalizeH="0" baseline="0">
+                  <a:ln>
+                    <a:noFill/>
+                  </a:ln>
+                  <a:solidFill>
+                    <a:srgbClr val="FFFF00"/>
+                  </a:solidFill>
+                  <a:effectLst/>
+                  <a:latin typeface="+mj-lt"/>
+                  <a:cs typeface="JetBrains Mono" panose="02000009000000000000" pitchFamily="49" charset="0"/>
+                </a:rPr>
+                <a:t>...</a:t>
+              </a:r>
+              <a:endParaRPr kumimoji="0" lang="en-US" altLang="zh-TW" sz="2400" b="0" i="0" u="none" strike="noStrike" cap="none" normalizeH="0" baseline="0">
+                <a:ln>
+                  <a:noFill/>
+                </a:ln>
+                <a:solidFill>
+                  <a:srgbClr val="FFFF00"/>
+                </a:solidFill>
+                <a:effectLst/>
+                <a:latin typeface="+mj-lt"/>
+                <a:cs typeface="JetBrains Mono" panose="02000009000000000000" pitchFamily="49" charset="0"/>
+              </a:endParaRPr>
+            </a:p>
+            <a:p>
+              <a:pPr marL="0" marR="0" lvl="0" indent="0" algn="l" defTabSz="914400" rtl="0" eaLnBrk="0" fontAlgn="base" latinLnBrk="0" hangingPunct="0">
+                <a:lnSpc>
+                  <a:spcPct val="100000"/>
+                </a:lnSpc>
+                <a:spcBef>
+                  <a:spcPct val="0"/>
+                </a:spcBef>
+                <a:spcAft>
+                  <a:spcPct val="0"/>
+                </a:spcAft>
+                <a:buClrTx/>
+                <a:buSzTx/>
+                <a:buFontTx/>
+                <a:buNone/>
+                <a:tabLst/>
+              </a:pPr>
+              <a:r>
+                <a:rPr lang="en-US" altLang="zh-TW" sz="2400">
+                  <a:solidFill>
+                    <a:srgbClr val="BCBEC4"/>
+                  </a:solidFill>
+                  <a:latin typeface="+mj-lt"/>
+                  <a:cs typeface="JetBrains Mono" panose="02000009000000000000" pitchFamily="49" charset="0"/>
+                </a:rPr>
+                <a:t>    </a:t>
+              </a:r>
+              <a:r>
+                <a:rPr kumimoji="0" lang="zh-TW" altLang="en-US" sz="2400" b="0" i="0" u="none" strike="noStrike" cap="none" normalizeH="0" baseline="0">
+                  <a:ln>
+                    <a:noFill/>
+                  </a:ln>
+                  <a:solidFill>
+                    <a:srgbClr val="FFFF00"/>
+                  </a:solidFill>
+                  <a:effectLst/>
+                  <a:latin typeface="+mj-lt"/>
+                  <a:cs typeface="JetBrains Mono" panose="02000009000000000000" pitchFamily="49" charset="0"/>
+                </a:rPr>
+                <a:t>方法</a:t>
+              </a:r>
+              <a:r>
+                <a:rPr kumimoji="0" lang="zh-TW" altLang="zh-TW" sz="2400" b="0" i="0" u="none" strike="noStrike" cap="none" normalizeH="0" baseline="0">
+                  <a:ln>
+                    <a:noFill/>
+                  </a:ln>
+                  <a:solidFill>
+                    <a:srgbClr val="FFFF00"/>
+                  </a:solidFill>
+                  <a:effectLst/>
+                  <a:latin typeface="+mj-lt"/>
+                  <a:cs typeface="JetBrains Mono" panose="02000009000000000000" pitchFamily="49" charset="0"/>
+                </a:rPr>
+                <a:t>...</a:t>
+              </a:r>
+              <a:br>
+                <a:rPr kumimoji="0" lang="zh-TW" altLang="zh-TW" sz="2400" b="0" i="0" u="none" strike="noStrike" cap="none" normalizeH="0" baseline="0">
+                  <a:ln>
+                    <a:noFill/>
+                  </a:ln>
+                  <a:solidFill>
+                    <a:srgbClr val="BCBEC4"/>
+                  </a:solidFill>
+                  <a:effectLst/>
+                  <a:latin typeface="+mj-lt"/>
+                  <a:cs typeface="JetBrains Mono" panose="02000009000000000000" pitchFamily="49" charset="0"/>
+                </a:rPr>
+              </a:br>
+              <a:r>
+                <a:rPr kumimoji="0" lang="zh-TW" altLang="zh-TW" sz="2400" b="0" i="0" u="none" strike="noStrike" cap="none" normalizeH="0" baseline="0">
+                  <a:ln>
+                    <a:noFill/>
+                  </a:ln>
+                  <a:solidFill>
+                    <a:srgbClr val="BCBEC4"/>
+                  </a:solidFill>
+                  <a:effectLst/>
+                  <a:latin typeface="+mj-lt"/>
+                  <a:cs typeface="JetBrains Mono" panose="02000009000000000000" pitchFamily="49" charset="0"/>
+                </a:rPr>
+                <a:t>}</a:t>
+              </a:r>
+              <a:endParaRPr kumimoji="0" lang="zh-TW" altLang="zh-TW" sz="2400" b="0" i="0" u="none" strike="noStrike" cap="none" normalizeH="0" baseline="0">
+                <a:ln>
+                  <a:noFill/>
+                </a:ln>
+                <a:solidFill>
+                  <a:schemeClr val="tx1"/>
+                </a:solidFill>
+                <a:effectLst/>
+                <a:latin typeface="+mj-lt"/>
+              </a:endParaRPr>
+            </a:p>
+          </p:txBody>
+        </p:sp>
+        <p:sp>
+          <p:nvSpPr>
+            <p:cNvPr id="9" name="文字方塊 8">
+              <a:extLst>
+                <a:ext uri="{FF2B5EF4-FFF2-40B4-BE49-F238E27FC236}">
+                  <a16:creationId xmlns:a16="http://schemas.microsoft.com/office/drawing/2014/main" id="{4AB138BC-E3CF-4C83-A7FC-FD4A7E2D0662}"/>
+                </a:ext>
+              </a:extLst>
+            </p:cNvPr>
+            <p:cNvSpPr txBox="1"/>
+            <p:nvPr/>
+          </p:nvSpPr>
+          <p:spPr>
+            <a:xfrm>
+              <a:off x="10662585" y="3818022"/>
+              <a:ext cx="691215" cy="369332"/>
+            </a:xfrm>
+            <a:prstGeom prst="rect">
+              <a:avLst/>
+            </a:prstGeom>
+            <a:noFill/>
+          </p:spPr>
+          <p:txBody>
+            <a:bodyPr wrap="none" rtlCol="0">
+              <a:spAutoFit/>
+            </a:bodyPr>
+            <a:lstStyle/>
+            <a:p>
+              <a:r>
+                <a:rPr lang="en-US" altLang="zh-TW">
+                  <a:solidFill>
+                    <a:schemeClr val="accent3"/>
+                  </a:solidFill>
+                </a:rPr>
+                <a:t>java</a:t>
+              </a:r>
+              <a:endParaRPr lang="zh-TW" altLang="en-US">
+                <a:solidFill>
+                  <a:schemeClr val="accent3"/>
+                </a:solidFill>
+              </a:endParaRPr>
+            </a:p>
+          </p:txBody>
+        </p:sp>
+      </p:grpSp>
+    </p:spTree>
+    <p:extLst>
+      <p:ext uri="{BB962C8B-B14F-4D97-AF65-F5344CB8AC3E}">
+        <p14:creationId xmlns:p14="http://schemas.microsoft.com/office/powerpoint/2010/main" val="3136444884"/>
+      </p:ext>
+    </p:extLst>
+  </p:cSld>
+  <p:clrMapOvr>
+    <a:masterClrMapping/>
+  </p:clrMapOvr>
+  <p:transition spd="slow">
+    <p:push dir="u"/>
+  </p:transition>
+</p:sld>
+</file>
+
+<file path=ppt/slides/slide4.xml><?xml version="1.0" encoding="utf-8"?>
+<p:sld xmlns:a="http://schemas.openxmlformats.org/drawingml/2006/main" xmlns:r="http://schemas.openxmlformats.org/officeDocument/2006/relationships" xmlns:p="http://schemas.openxmlformats.org/presentationml/2006/main">
+  <p:cSld>
+    <p:spTree>
+      <p:nvGrpSpPr>
+        <p:cNvPr id="1" name=""/>
+        <p:cNvGrpSpPr/>
+        <p:nvPr/>
+      </p:nvGrpSpPr>
+      <p:grpSpPr>
+        <a:xfrm>
+          <a:off x="0" y="0"/>
+          <a:ext cx="0" cy="0"/>
+          <a:chOff x="0" y="0"/>
+          <a:chExt cx="0" cy="0"/>
+        </a:xfrm>
+      </p:grpSpPr>
+      <p:sp>
+        <p:nvSpPr>
+          <p:cNvPr id="2" name="標題 1">
+            <a:extLst>
+              <a:ext uri="{FF2B5EF4-FFF2-40B4-BE49-F238E27FC236}">
+                <a16:creationId xmlns:a16="http://schemas.microsoft.com/office/drawing/2014/main" id="{23046BA0-E2FA-4343-B168-31B5BB4C7BE9}"/>
+              </a:ext>
+            </a:extLst>
+          </p:cNvPr>
+          <p:cNvSpPr>
+            <a:spLocks noGrp="1"/>
+          </p:cNvSpPr>
+          <p:nvPr>
+            <p:ph type="title"/>
+          </p:nvPr>
+        </p:nvSpPr>
+        <p:spPr/>
+        <p:txBody>
+          <a:bodyPr/>
+          <a:lstStyle/>
+          <a:p>
+            <a:r>
+              <a:rPr lang="zh-TW" altLang="en-US"/>
+              <a:t>類別</a:t>
+            </a:r>
+          </a:p>
+        </p:txBody>
+      </p:sp>
+      <p:grpSp>
+        <p:nvGrpSpPr>
+          <p:cNvPr id="4" name="群組 3">
+            <a:extLst>
+              <a:ext uri="{FF2B5EF4-FFF2-40B4-BE49-F238E27FC236}">
+                <a16:creationId xmlns:a16="http://schemas.microsoft.com/office/drawing/2014/main" id="{8B9AF582-AC13-4D87-993D-8B314051E54A}"/>
+              </a:ext>
+            </a:extLst>
+          </p:cNvPr>
+          <p:cNvGrpSpPr/>
+          <p:nvPr/>
+        </p:nvGrpSpPr>
+        <p:grpSpPr>
+          <a:xfrm>
+            <a:off x="838199" y="1690688"/>
+            <a:ext cx="10515599" cy="4524315"/>
+            <a:chOff x="838199" y="3064188"/>
+            <a:chExt cx="10515599" cy="4524315"/>
+          </a:xfrm>
+        </p:grpSpPr>
+        <p:sp>
+          <p:nvSpPr>
+            <p:cNvPr id="5" name="Rectangle 2">
+              <a:extLst>
+                <a:ext uri="{FF2B5EF4-FFF2-40B4-BE49-F238E27FC236}">
+                  <a16:creationId xmlns:a16="http://schemas.microsoft.com/office/drawing/2014/main" id="{B23B6280-59DC-41FD-B60B-7124BEC26912}"/>
+                </a:ext>
+              </a:extLst>
+            </p:cNvPr>
+            <p:cNvSpPr>
+              <a:spLocks noChangeArrowheads="1"/>
+            </p:cNvSpPr>
+            <p:nvPr/>
+          </p:nvSpPr>
+          <p:spPr bwMode="auto">
+            <a:xfrm>
+              <a:off x="838199" y="3064188"/>
+              <a:ext cx="10515599" cy="4524315"/>
+            </a:xfrm>
+            <a:prstGeom prst="rect">
+              <a:avLst/>
+            </a:prstGeom>
+            <a:solidFill>
+              <a:srgbClr val="1E1F22"/>
+            </a:solidFill>
+            <a:ln>
+              <a:noFill/>
+            </a:ln>
+            <a:effectLst/>
+            <a:extLst>
+              <a:ext uri="{91240B29-F687-4F45-9708-019B960494DF}">
+                <a14:hiddenLine xmlns:a14="http://schemas.microsoft.com/office/drawing/2010/main" w="9525">
+                  <a:solidFill>
+                    <a:schemeClr val="tx1"/>
+                  </a:solidFill>
+                  <a:miter lim="800000"/>
+                  <a:headEnd/>
+                  <a:tailEnd/>
+                </a14:hiddenLine>
+              </a:ext>
+              <a:ext uri="{AF507438-7753-43E0-B8FC-AC1667EBCBE1}">
+                <a14:hiddenEffects xmlns:a14="http://schemas.microsoft.com/office/drawing/2010/main">
+                  <a:effectLst>
+                    <a:outerShdw dist="35921" dir="2700000" algn="ctr" rotWithShape="0">
+                      <a:schemeClr val="bg2"/>
+                    </a:outerShdw>
+                  </a:effectLst>
+                </a14:hiddenEffects>
+              </a:ext>
+            </a:extLst>
+          </p:spPr>
+          <p:txBody>
+            <a:bodyPr vert="horz" wrap="square" lIns="91440" tIns="45720" rIns="91440" bIns="45720" numCol="1" anchor="ctr" anchorCtr="0" compatLnSpc="1">
+              <a:prstTxWarp prst="textNoShape">
+                <a:avLst/>
+              </a:prstTxWarp>
+              <a:spAutoFit/>
+            </a:bodyPr>
+            <a:lstStyle/>
+            <a:p>
+              <a:pPr marL="0" marR="0" lvl="0" indent="0" algn="l" defTabSz="914400" rtl="0" eaLnBrk="0" fontAlgn="base" latinLnBrk="0" hangingPunct="0">
+                <a:lnSpc>
+                  <a:spcPct val="100000"/>
+                </a:lnSpc>
+                <a:spcBef>
+                  <a:spcPct val="0"/>
+                </a:spcBef>
+                <a:spcAft>
+                  <a:spcPct val="0"/>
+                </a:spcAft>
+                <a:buClrTx/>
+                <a:buSzTx/>
+                <a:buFontTx/>
+                <a:buNone/>
+                <a:tabLst/>
+              </a:pPr>
+              <a:r>
+                <a:rPr kumimoji="0" lang="zh-TW" altLang="zh-TW" sz="1600" b="0" i="0" u="none" strike="noStrike" cap="none" normalizeH="0" baseline="0">
+                  <a:ln>
+                    <a:noFill/>
+                  </a:ln>
+                  <a:solidFill>
+                    <a:srgbClr val="CF8E6D"/>
+                  </a:solidFill>
+                  <a:effectLst/>
+                  <a:latin typeface="+mj-lt"/>
+                  <a:cs typeface="JetBrains Mono" panose="02000009000000000000" pitchFamily="49" charset="0"/>
+                </a:rPr>
+                <a:t>class </a:t>
+              </a:r>
+              <a:r>
+                <a:rPr kumimoji="0" lang="zh-TW" altLang="en-US" sz="1600" b="0" i="0" u="none" strike="noStrike" cap="none" normalizeH="0" baseline="0">
+                  <a:ln>
+                    <a:noFill/>
+                  </a:ln>
+                  <a:solidFill>
+                    <a:srgbClr val="00B0F0"/>
+                  </a:solidFill>
+                  <a:effectLst/>
+                  <a:latin typeface="+mj-lt"/>
+                  <a:ea typeface="+mj-ea"/>
+                  <a:cs typeface="JetBrains Mono" panose="02000009000000000000" pitchFamily="49" charset="0"/>
+                </a:rPr>
+                <a:t>類別名稱</a:t>
+              </a:r>
+              <a:r>
+                <a:rPr kumimoji="0" lang="zh-TW" altLang="zh-TW" sz="1600" b="0" i="0" u="none" strike="noStrike" cap="none" normalizeH="0" baseline="0">
+                  <a:ln>
+                    <a:noFill/>
+                  </a:ln>
+                  <a:solidFill>
+                    <a:srgbClr val="BCBEC4"/>
+                  </a:solidFill>
+                  <a:effectLst/>
+                  <a:latin typeface="+mj-lt"/>
+                  <a:ea typeface="+mj-ea"/>
+                  <a:cs typeface="JetBrains Mono" panose="02000009000000000000" pitchFamily="49" charset="0"/>
+                </a:rPr>
+                <a:t> </a:t>
+              </a:r>
+              <a:r>
+                <a:rPr kumimoji="0" lang="zh-TW" altLang="zh-TW" sz="1600" b="0" i="0" u="none" strike="noStrike" cap="none" normalizeH="0" baseline="0">
+                  <a:ln>
+                    <a:noFill/>
+                  </a:ln>
+                  <a:solidFill>
+                    <a:srgbClr val="BCBEC4"/>
+                  </a:solidFill>
+                  <a:effectLst/>
+                  <a:latin typeface="+mj-lt"/>
+                  <a:cs typeface="JetBrains Mono" panose="02000009000000000000" pitchFamily="49" charset="0"/>
+                </a:rPr>
+                <a:t>{</a:t>
+              </a:r>
+              <a:endParaRPr kumimoji="0" lang="en-US" altLang="zh-TW" sz="1600" b="0" i="0" u="none" strike="noStrike" cap="none" normalizeH="0" baseline="0">
+                <a:ln>
+                  <a:noFill/>
+                </a:ln>
+                <a:solidFill>
+                  <a:srgbClr val="BCBEC4"/>
+                </a:solidFill>
+                <a:effectLst/>
+                <a:latin typeface="+mj-lt"/>
+                <a:cs typeface="JetBrains Mono" panose="02000009000000000000" pitchFamily="49" charset="0"/>
+              </a:endParaRPr>
+            </a:p>
+            <a:p>
+              <a:pPr marL="0" marR="0" lvl="0" indent="0" algn="l" defTabSz="914400" rtl="0" eaLnBrk="0" fontAlgn="base" latinLnBrk="0" hangingPunct="0">
+                <a:lnSpc>
+                  <a:spcPct val="100000"/>
+                </a:lnSpc>
+                <a:spcBef>
+                  <a:spcPct val="0"/>
+                </a:spcBef>
+                <a:spcAft>
+                  <a:spcPct val="0"/>
+                </a:spcAft>
+                <a:buClrTx/>
+                <a:buSzTx/>
+                <a:buFontTx/>
+                <a:buNone/>
+                <a:tabLst/>
+              </a:pPr>
+              <a:r>
+                <a:rPr kumimoji="0" lang="en-US" altLang="zh-TW" sz="1600" b="0" i="0" u="none" strike="noStrike" cap="none" normalizeH="0" baseline="0">
+                  <a:ln>
+                    <a:noFill/>
+                  </a:ln>
+                  <a:solidFill>
+                    <a:srgbClr val="FFFF00"/>
+                  </a:solidFill>
+                  <a:effectLst/>
+                  <a:latin typeface="+mj-lt"/>
+                  <a:ea typeface="微軟正黑體" panose="020B0604030504040204" pitchFamily="34" charset="-120"/>
+                  <a:cs typeface="JetBrains Mono" panose="02000009000000000000" pitchFamily="49" charset="0"/>
+                </a:rPr>
+                <a:t>    </a:t>
+              </a:r>
+              <a:r>
+                <a:rPr kumimoji="0" lang="zh-TW" altLang="zh-TW" sz="1600" b="0" i="0" u="none" strike="noStrike" cap="none" normalizeH="0" baseline="0">
+                  <a:ln>
+                    <a:noFill/>
+                  </a:ln>
+                  <a:solidFill>
+                    <a:srgbClr val="FFFF00"/>
+                  </a:solidFill>
+                  <a:effectLst/>
+                  <a:latin typeface="+mj-lt"/>
+                  <a:ea typeface="微軟正黑體" panose="020B0604030504040204" pitchFamily="34" charset="-120"/>
+                  <a:cs typeface="JetBrains Mono" panose="02000009000000000000" pitchFamily="49" charset="0"/>
+                </a:rPr>
+                <a:t>資料型別</a:t>
+              </a:r>
+              <a:r>
+                <a:rPr kumimoji="0" lang="zh-TW" altLang="zh-TW" sz="1600" b="0" i="0" u="none" strike="noStrike" cap="none" normalizeH="0" baseline="0">
+                  <a:ln>
+                    <a:noFill/>
+                  </a:ln>
+                  <a:solidFill>
+                    <a:srgbClr val="BCBEC4"/>
+                  </a:solidFill>
+                  <a:effectLst/>
+                  <a:latin typeface="+mj-lt"/>
+                  <a:ea typeface="微軟正黑體" panose="020B0604030504040204" pitchFamily="34" charset="-120"/>
+                  <a:cs typeface="JetBrains Mono" panose="02000009000000000000" pitchFamily="49" charset="0"/>
+                </a:rPr>
+                <a:t> </a:t>
+              </a:r>
+              <a:r>
+                <a:rPr lang="zh-TW" altLang="zh-TW" sz="1600">
+                  <a:solidFill>
+                    <a:srgbClr val="BCBEC4"/>
+                  </a:solidFill>
+                  <a:latin typeface="+mj-lt"/>
+                  <a:ea typeface="微軟正黑體" panose="020B0604030504040204" pitchFamily="34" charset="-120"/>
+                  <a:cs typeface="JetBrains Mono" panose="02000009000000000000" pitchFamily="49" charset="0"/>
+                </a:rPr>
+                <a:t>成員名稱</a:t>
+              </a:r>
+              <a:r>
+                <a:rPr kumimoji="0" lang="zh-TW" altLang="zh-TW" sz="1600" b="0" i="0" u="none" strike="noStrike" cap="none" normalizeH="0" baseline="0">
+                  <a:ln>
+                    <a:noFill/>
+                  </a:ln>
+                  <a:solidFill>
+                    <a:srgbClr val="BCBEC4"/>
+                  </a:solidFill>
+                  <a:effectLst/>
+                  <a:latin typeface="+mj-lt"/>
+                  <a:cs typeface="JetBrains Mono" panose="02000009000000000000" pitchFamily="49" charset="0"/>
+                </a:rPr>
+                <a:t>;</a:t>
+              </a:r>
+              <a:br>
+                <a:rPr kumimoji="0" lang="zh-TW" altLang="zh-TW" sz="1600" b="0" i="0" u="none" strike="noStrike" cap="none" normalizeH="0" baseline="0">
+                  <a:ln>
+                    <a:noFill/>
+                  </a:ln>
+                  <a:solidFill>
+                    <a:srgbClr val="BCBEC4"/>
+                  </a:solidFill>
+                  <a:effectLst/>
+                  <a:latin typeface="+mj-lt"/>
+                  <a:cs typeface="JetBrains Mono" panose="02000009000000000000" pitchFamily="49" charset="0"/>
+                </a:rPr>
+              </a:br>
+              <a:r>
+                <a:rPr kumimoji="0" lang="en-US" altLang="zh-TW" sz="1600" b="0" i="0" u="none" strike="noStrike" cap="none" normalizeH="0" baseline="0">
+                  <a:ln>
+                    <a:noFill/>
+                  </a:ln>
+                  <a:solidFill>
+                    <a:srgbClr val="BCBEC4"/>
+                  </a:solidFill>
+                  <a:effectLst/>
+                  <a:latin typeface="+mj-lt"/>
+                  <a:cs typeface="JetBrains Mono" panose="02000009000000000000" pitchFamily="49" charset="0"/>
+                </a:rPr>
+                <a:t>    </a:t>
+              </a:r>
+              <a:r>
+                <a:rPr kumimoji="0" lang="zh-TW" altLang="zh-TW" sz="1600" b="0" i="0" u="none" strike="noStrike" cap="none" normalizeH="0" baseline="0">
+                  <a:ln>
+                    <a:noFill/>
+                  </a:ln>
+                  <a:solidFill>
+                    <a:srgbClr val="FFFF00"/>
+                  </a:solidFill>
+                  <a:effectLst/>
+                  <a:latin typeface="+mj-lt"/>
+                  <a:ea typeface="微軟正黑體" panose="020B0604030504040204" pitchFamily="34" charset="-120"/>
+                  <a:cs typeface="JetBrains Mono" panose="02000009000000000000" pitchFamily="49" charset="0"/>
+                </a:rPr>
+                <a:t>資料型別</a:t>
+              </a:r>
+              <a:r>
+                <a:rPr kumimoji="0" lang="zh-TW" altLang="zh-TW" sz="1600" b="0" i="0" u="none" strike="noStrike" cap="none" normalizeH="0" baseline="0">
+                  <a:ln>
+                    <a:noFill/>
+                  </a:ln>
+                  <a:solidFill>
+                    <a:srgbClr val="BCBEC4"/>
+                  </a:solidFill>
+                  <a:effectLst/>
+                  <a:latin typeface="+mj-lt"/>
+                  <a:ea typeface="微軟正黑體" panose="020B0604030504040204" pitchFamily="34" charset="-120"/>
+                  <a:cs typeface="JetBrains Mono" panose="02000009000000000000" pitchFamily="49" charset="0"/>
+                </a:rPr>
+                <a:t> </a:t>
+              </a:r>
+              <a:r>
+                <a:rPr lang="zh-TW" altLang="zh-TW" sz="1600">
+                  <a:solidFill>
+                    <a:srgbClr val="BCBEC4"/>
+                  </a:solidFill>
+                  <a:latin typeface="+mj-lt"/>
+                  <a:ea typeface="微軟正黑體" panose="020B0604030504040204" pitchFamily="34" charset="-120"/>
+                  <a:cs typeface="JetBrains Mono" panose="02000009000000000000" pitchFamily="49" charset="0"/>
+                </a:rPr>
+                <a:t>成員名稱 </a:t>
+              </a:r>
+              <a:r>
+                <a:rPr kumimoji="0" lang="zh-TW" altLang="zh-TW" sz="1600" b="0" i="0" u="none" strike="noStrike" cap="none" normalizeH="0" baseline="0">
+                  <a:ln>
+                    <a:noFill/>
+                  </a:ln>
+                  <a:solidFill>
+                    <a:srgbClr val="BCBEC4"/>
+                  </a:solidFill>
+                  <a:effectLst/>
+                  <a:latin typeface="+mj-lt"/>
+                  <a:cs typeface="JetBrains Mono" panose="02000009000000000000" pitchFamily="49" charset="0"/>
+                </a:rPr>
+                <a:t>= </a:t>
+              </a:r>
+              <a:r>
+                <a:rPr kumimoji="0" lang="zh-TW" altLang="zh-TW" sz="1600" b="0" i="0" u="none" strike="noStrike" cap="none" normalizeH="0" baseline="0">
+                  <a:ln>
+                    <a:noFill/>
+                  </a:ln>
+                  <a:solidFill>
+                    <a:srgbClr val="00B0F0"/>
+                  </a:solidFill>
+                  <a:effectLst/>
+                  <a:latin typeface="+mj-lt"/>
+                  <a:ea typeface="微軟正黑體" panose="020B0604030504040204" pitchFamily="34" charset="-120"/>
+                  <a:cs typeface="JetBrains Mono" panose="02000009000000000000" pitchFamily="49" charset="0"/>
+                </a:rPr>
+                <a:t>值</a:t>
+              </a:r>
+              <a:r>
+                <a:rPr kumimoji="0" lang="zh-TW" altLang="zh-TW" sz="1600" b="0" i="0" u="none" strike="noStrike" cap="none" normalizeH="0" baseline="0">
+                  <a:ln>
+                    <a:noFill/>
+                  </a:ln>
+                  <a:solidFill>
+                    <a:srgbClr val="BCBEC4"/>
+                  </a:solidFill>
+                  <a:effectLst/>
+                  <a:latin typeface="+mj-lt"/>
+                  <a:cs typeface="JetBrains Mono" panose="02000009000000000000" pitchFamily="49" charset="0"/>
+                </a:rPr>
+                <a:t>;</a:t>
+              </a:r>
+              <a:endParaRPr lang="en-US" altLang="zh-TW" sz="1600">
+                <a:solidFill>
+                  <a:srgbClr val="BCBEC4"/>
+                </a:solidFill>
+                <a:latin typeface="+mj-lt"/>
+                <a:cs typeface="JetBrains Mono" panose="02000009000000000000" pitchFamily="49" charset="0"/>
+              </a:endParaRPr>
+            </a:p>
+            <a:p>
+              <a:pPr marL="0" marR="0" lvl="0" indent="0" algn="l" defTabSz="914400" rtl="0" eaLnBrk="0" fontAlgn="base" latinLnBrk="0" hangingPunct="0">
+                <a:lnSpc>
+                  <a:spcPct val="100000"/>
+                </a:lnSpc>
+                <a:spcBef>
+                  <a:spcPct val="0"/>
+                </a:spcBef>
+                <a:spcAft>
+                  <a:spcPct val="0"/>
+                </a:spcAft>
+                <a:buClrTx/>
+                <a:buSzTx/>
+                <a:buFontTx/>
+                <a:buNone/>
+                <a:tabLst/>
+              </a:pPr>
+              <a:endParaRPr kumimoji="0" lang="en-US" altLang="zh-TW" sz="1600" b="0" i="0" u="none" strike="noStrike" cap="none" normalizeH="0" baseline="0">
+                <a:ln>
+                  <a:noFill/>
+                </a:ln>
+                <a:solidFill>
+                  <a:srgbClr val="BCBEC4"/>
+                </a:solidFill>
+                <a:effectLst/>
+                <a:latin typeface="+mj-lt"/>
+                <a:cs typeface="JetBrains Mono" panose="02000009000000000000" pitchFamily="49" charset="0"/>
+              </a:endParaRPr>
+            </a:p>
+            <a:p>
+              <a:pPr eaLnBrk="0" fontAlgn="base" hangingPunct="0">
+                <a:spcBef>
+                  <a:spcPct val="0"/>
+                </a:spcBef>
+                <a:spcAft>
+                  <a:spcPct val="0"/>
+                </a:spcAft>
+              </a:pPr>
+              <a:r>
+                <a:rPr kumimoji="0" lang="zh-TW" altLang="en-US" sz="1600" b="0" i="0" u="none" strike="noStrike" cap="none" normalizeH="0" baseline="0">
+                  <a:ln>
+                    <a:noFill/>
+                  </a:ln>
+                  <a:solidFill>
+                    <a:srgbClr val="CF8E6D"/>
+                  </a:solidFill>
+                  <a:effectLst/>
+                  <a:latin typeface="+mj-lt"/>
+                  <a:ea typeface="微軟正黑體" panose="020B0604030504040204" pitchFamily="34" charset="-120"/>
+                </a:rPr>
+                <a:t>    </a:t>
+              </a:r>
+              <a:r>
+                <a:rPr kumimoji="0" lang="zh-TW" altLang="zh-TW" sz="1600" b="0" i="0" u="none" strike="noStrike" cap="none" normalizeH="0" baseline="0">
+                  <a:ln>
+                    <a:noFill/>
+                  </a:ln>
+                  <a:solidFill>
+                    <a:srgbClr val="CF8E6D"/>
+                  </a:solidFill>
+                  <a:effectLst/>
+                  <a:latin typeface="+mj-lt"/>
+                  <a:ea typeface="微軟正黑體" panose="020B0604030504040204" pitchFamily="34" charset="-120"/>
+                </a:rPr>
+                <a:t>存取修飾子</a:t>
+              </a:r>
+              <a:r>
+                <a:rPr kumimoji="0" lang="en-US" altLang="zh-TW" sz="1600" b="0" i="0" u="none" strike="noStrike" cap="none" normalizeH="0" baseline="0">
+                  <a:ln>
+                    <a:noFill/>
+                  </a:ln>
+                  <a:solidFill>
+                    <a:srgbClr val="CF8E6D"/>
+                  </a:solidFill>
+                  <a:effectLst/>
+                  <a:latin typeface="+mj-lt"/>
+                  <a:ea typeface="微軟正黑體" panose="020B0604030504040204" pitchFamily="34" charset="-120"/>
+                </a:rPr>
+                <a:t> final</a:t>
+              </a:r>
+              <a:r>
+                <a:rPr kumimoji="0" lang="zh-TW" altLang="zh-TW" sz="1600" b="0" i="0" u="none" strike="noStrike" cap="none" normalizeH="0" baseline="0">
+                  <a:ln>
+                    <a:noFill/>
+                  </a:ln>
+                  <a:solidFill>
+                    <a:srgbClr val="CF8E6D"/>
+                  </a:solidFill>
+                  <a:effectLst/>
+                  <a:latin typeface="+mj-lt"/>
+                  <a:ea typeface="微軟正黑體" panose="020B0604030504040204" pitchFamily="34" charset="-120"/>
+                </a:rPr>
+                <a:t> </a:t>
+              </a:r>
+              <a:r>
+                <a:rPr kumimoji="0" lang="zh-TW" altLang="zh-TW" sz="1600" b="0" i="0" u="none" strike="noStrike" cap="none" normalizeH="0" baseline="0">
+                  <a:ln>
+                    <a:noFill/>
+                  </a:ln>
+                  <a:solidFill>
+                    <a:srgbClr val="CF8E6D"/>
+                  </a:solidFill>
+                  <a:effectLst/>
+                  <a:latin typeface="+mj-lt"/>
+                  <a:cs typeface="JetBrains Mono" panose="02000009000000000000" pitchFamily="49" charset="0"/>
+                </a:rPr>
+                <a:t>static </a:t>
+              </a:r>
+              <a:r>
+                <a:rPr kumimoji="0" lang="zh-TW" altLang="zh-TW" sz="1600" b="0" i="0" u="none" strike="noStrike" cap="none" normalizeH="0" baseline="0">
+                  <a:ln>
+                    <a:noFill/>
+                  </a:ln>
+                  <a:solidFill>
+                    <a:srgbClr val="FFFF00"/>
+                  </a:solidFill>
+                  <a:effectLst/>
+                  <a:latin typeface="+mj-lt"/>
+                  <a:ea typeface="微軟正黑體" panose="020B0604030504040204" pitchFamily="34" charset="-120"/>
+                  <a:cs typeface="JetBrains Mono" panose="02000009000000000000" pitchFamily="49" charset="0"/>
+                </a:rPr>
+                <a:t>資料型別</a:t>
+              </a:r>
+              <a:r>
+                <a:rPr kumimoji="0" lang="zh-TW" altLang="zh-TW" sz="1600" b="0" i="0" u="none" strike="noStrike" cap="none" normalizeH="0" baseline="0">
+                  <a:ln>
+                    <a:noFill/>
+                  </a:ln>
+                  <a:solidFill>
+                    <a:srgbClr val="BCBEC4"/>
+                  </a:solidFill>
+                  <a:effectLst/>
+                  <a:latin typeface="+mj-lt"/>
+                  <a:ea typeface="微軟正黑體" panose="020B0604030504040204" pitchFamily="34" charset="-120"/>
+                  <a:cs typeface="JetBrains Mono" panose="02000009000000000000" pitchFamily="49" charset="0"/>
+                </a:rPr>
+                <a:t> </a:t>
+              </a:r>
+              <a:r>
+                <a:rPr lang="zh-TW" altLang="zh-TW" sz="1600">
+                  <a:solidFill>
+                    <a:srgbClr val="BCBEC4"/>
+                  </a:solidFill>
+                  <a:latin typeface="+mj-lt"/>
+                  <a:ea typeface="微軟正黑體" panose="020B0604030504040204" pitchFamily="34" charset="-120"/>
+                  <a:cs typeface="JetBrains Mono" panose="02000009000000000000" pitchFamily="49" charset="0"/>
+                </a:rPr>
+                <a:t>成員名稱</a:t>
+              </a:r>
+              <a:r>
+                <a:rPr kumimoji="0" lang="zh-TW" altLang="zh-TW" sz="1600" b="0" i="0" u="none" strike="noStrike" cap="none" normalizeH="0" baseline="0">
+                  <a:ln>
+                    <a:noFill/>
+                  </a:ln>
+                  <a:solidFill>
+                    <a:srgbClr val="BCBEC4"/>
+                  </a:solidFill>
+                  <a:effectLst/>
+                  <a:latin typeface="+mj-lt"/>
+                  <a:cs typeface="JetBrains Mono" panose="02000009000000000000" pitchFamily="49" charset="0"/>
+                </a:rPr>
+                <a:t>;</a:t>
+              </a:r>
+              <a:br>
+                <a:rPr kumimoji="0" lang="zh-TW" altLang="zh-TW" sz="1600" b="0" i="0" u="none" strike="noStrike" cap="none" normalizeH="0" baseline="0">
+                  <a:ln>
+                    <a:noFill/>
+                  </a:ln>
+                  <a:solidFill>
+                    <a:srgbClr val="BCBEC4"/>
+                  </a:solidFill>
+                  <a:effectLst/>
+                  <a:latin typeface="+mj-lt"/>
+                  <a:cs typeface="JetBrains Mono" panose="02000009000000000000" pitchFamily="49" charset="0"/>
+                </a:rPr>
+              </a:br>
+              <a:r>
+                <a:rPr kumimoji="0" lang="zh-TW" altLang="en-US" sz="1600" b="0" i="0" u="none" strike="noStrike" cap="none" normalizeH="0" baseline="0">
+                  <a:ln>
+                    <a:noFill/>
+                  </a:ln>
+                  <a:solidFill>
+                    <a:srgbClr val="BCBEC4"/>
+                  </a:solidFill>
+                  <a:effectLst/>
+                  <a:latin typeface="+mj-lt"/>
+                  <a:cs typeface="JetBrains Mono" panose="02000009000000000000" pitchFamily="49" charset="0"/>
+                </a:rPr>
+                <a:t>    </a:t>
+              </a:r>
+              <a:r>
+                <a:rPr kumimoji="0" lang="zh-TW" altLang="zh-TW" sz="1600" b="0" i="0" u="none" strike="noStrike" cap="none" normalizeH="0" baseline="0">
+                  <a:ln>
+                    <a:noFill/>
+                  </a:ln>
+                  <a:solidFill>
+                    <a:srgbClr val="CF8E6D"/>
+                  </a:solidFill>
+                  <a:effectLst/>
+                  <a:latin typeface="+mj-lt"/>
+                  <a:ea typeface="微軟正黑體" panose="020B0604030504040204" pitchFamily="34" charset="-120"/>
+                </a:rPr>
+                <a:t>存取修飾子</a:t>
+              </a:r>
+              <a:r>
+                <a:rPr kumimoji="0" lang="zh-TW" altLang="en-US" sz="1600" b="0" i="0" u="none" strike="noStrike" cap="none" normalizeH="0" baseline="0">
+                  <a:ln>
+                    <a:noFill/>
+                  </a:ln>
+                  <a:solidFill>
+                    <a:srgbClr val="CF8E6D"/>
+                  </a:solidFill>
+                  <a:effectLst/>
+                  <a:latin typeface="+mj-lt"/>
+                  <a:ea typeface="微軟正黑體" panose="020B0604030504040204" pitchFamily="34" charset="-120"/>
+                </a:rPr>
+                <a:t> </a:t>
+              </a:r>
+              <a:r>
+                <a:rPr kumimoji="0" lang="en-US" altLang="zh-TW" sz="1600" b="0" i="0" u="none" strike="noStrike" cap="none" normalizeH="0" baseline="0">
+                  <a:ln>
+                    <a:noFill/>
+                  </a:ln>
+                  <a:solidFill>
+                    <a:srgbClr val="CF8E6D"/>
+                  </a:solidFill>
+                  <a:effectLst/>
+                  <a:latin typeface="+mj-lt"/>
+                  <a:ea typeface="微軟正黑體" panose="020B0604030504040204" pitchFamily="34" charset="-120"/>
+                </a:rPr>
+                <a:t>final</a:t>
+              </a:r>
+              <a:r>
+                <a:rPr kumimoji="0" lang="zh-TW" altLang="zh-TW" sz="1600" b="0" i="0" u="none" strike="noStrike" cap="none" normalizeH="0" baseline="0">
+                  <a:ln>
+                    <a:noFill/>
+                  </a:ln>
+                  <a:solidFill>
+                    <a:srgbClr val="CF8E6D"/>
+                  </a:solidFill>
+                  <a:effectLst/>
+                  <a:latin typeface="+mj-lt"/>
+                  <a:ea typeface="微軟正黑體" panose="020B0604030504040204" pitchFamily="34" charset="-120"/>
+                </a:rPr>
+                <a:t> </a:t>
+              </a:r>
+              <a:r>
+                <a:rPr kumimoji="0" lang="zh-TW" altLang="zh-TW" sz="1600" b="0" i="0" u="none" strike="noStrike" cap="none" normalizeH="0" baseline="0">
+                  <a:ln>
+                    <a:noFill/>
+                  </a:ln>
+                  <a:solidFill>
+                    <a:srgbClr val="CF8E6D"/>
+                  </a:solidFill>
+                  <a:effectLst/>
+                  <a:latin typeface="+mj-lt"/>
+                  <a:cs typeface="JetBrains Mono" panose="02000009000000000000" pitchFamily="49" charset="0"/>
+                </a:rPr>
+                <a:t>static </a:t>
+              </a:r>
+              <a:r>
+                <a:rPr kumimoji="0" lang="zh-TW" altLang="zh-TW" sz="1600" b="0" i="0" u="none" strike="noStrike" cap="none" normalizeH="0" baseline="0">
+                  <a:ln>
+                    <a:noFill/>
+                  </a:ln>
+                  <a:solidFill>
+                    <a:srgbClr val="FFFF00"/>
+                  </a:solidFill>
+                  <a:effectLst/>
+                  <a:latin typeface="+mj-lt"/>
+                  <a:ea typeface="微軟正黑體" panose="020B0604030504040204" pitchFamily="34" charset="-120"/>
+                  <a:cs typeface="JetBrains Mono" panose="02000009000000000000" pitchFamily="49" charset="0"/>
+                </a:rPr>
+                <a:t>資料型別</a:t>
+              </a:r>
+              <a:r>
+                <a:rPr kumimoji="0" lang="zh-TW" altLang="zh-TW" sz="1600" b="0" i="0" u="none" strike="noStrike" cap="none" normalizeH="0" baseline="0">
+                  <a:ln>
+                    <a:noFill/>
+                  </a:ln>
+                  <a:solidFill>
+                    <a:srgbClr val="BCBEC4"/>
+                  </a:solidFill>
+                  <a:effectLst/>
+                  <a:latin typeface="+mj-lt"/>
+                  <a:ea typeface="微軟正黑體" panose="020B0604030504040204" pitchFamily="34" charset="-120"/>
+                  <a:cs typeface="JetBrains Mono" panose="02000009000000000000" pitchFamily="49" charset="0"/>
+                </a:rPr>
+                <a:t> </a:t>
+              </a:r>
+              <a:r>
+                <a:rPr lang="zh-TW" altLang="zh-TW" sz="1600">
+                  <a:solidFill>
+                    <a:srgbClr val="BCBEC4"/>
+                  </a:solidFill>
+                  <a:latin typeface="+mj-lt"/>
+                  <a:ea typeface="微軟正黑體" panose="020B0604030504040204" pitchFamily="34" charset="-120"/>
+                  <a:cs typeface="JetBrains Mono" panose="02000009000000000000" pitchFamily="49" charset="0"/>
+                </a:rPr>
+                <a:t>成員名稱 </a:t>
+              </a:r>
+              <a:r>
+                <a:rPr kumimoji="0" lang="zh-TW" altLang="zh-TW" sz="1600" b="0" i="0" u="none" strike="noStrike" cap="none" normalizeH="0" baseline="0">
+                  <a:ln>
+                    <a:noFill/>
+                  </a:ln>
+                  <a:solidFill>
+                    <a:srgbClr val="BCBEC4"/>
+                  </a:solidFill>
+                  <a:effectLst/>
+                  <a:latin typeface="+mj-lt"/>
+                  <a:cs typeface="JetBrains Mono" panose="02000009000000000000" pitchFamily="49" charset="0"/>
+                </a:rPr>
+                <a:t>= </a:t>
+              </a:r>
+              <a:r>
+                <a:rPr kumimoji="0" lang="zh-TW" altLang="zh-TW" sz="1600" b="0" i="0" u="none" strike="noStrike" cap="none" normalizeH="0" baseline="0">
+                  <a:ln>
+                    <a:noFill/>
+                  </a:ln>
+                  <a:solidFill>
+                    <a:srgbClr val="00B0F0"/>
+                  </a:solidFill>
+                  <a:effectLst/>
+                  <a:latin typeface="+mj-lt"/>
+                  <a:ea typeface="微軟正黑體" panose="020B0604030504040204" pitchFamily="34" charset="-120"/>
+                  <a:cs typeface="JetBrains Mono" panose="02000009000000000000" pitchFamily="49" charset="0"/>
+                </a:rPr>
+                <a:t>值</a:t>
+              </a:r>
+              <a:r>
+                <a:rPr kumimoji="0" lang="zh-TW" altLang="zh-TW" sz="1600" b="0" i="0" u="none" strike="noStrike" cap="none" normalizeH="0" baseline="0">
+                  <a:ln>
+                    <a:noFill/>
+                  </a:ln>
+                  <a:solidFill>
+                    <a:srgbClr val="BCBEC4"/>
+                  </a:solidFill>
+                  <a:effectLst/>
+                  <a:latin typeface="+mj-lt"/>
+                  <a:cs typeface="JetBrains Mono" panose="02000009000000000000" pitchFamily="49" charset="0"/>
+                </a:rPr>
+                <a:t>;</a:t>
+              </a:r>
+              <a:endParaRPr kumimoji="0" lang="en-US" altLang="zh-TW" sz="1600" b="0" i="0" u="none" strike="noStrike" cap="none" normalizeH="0" baseline="0">
+                <a:ln>
+                  <a:noFill/>
+                </a:ln>
+                <a:solidFill>
+                  <a:srgbClr val="BCBEC4"/>
+                </a:solidFill>
+                <a:effectLst/>
+                <a:latin typeface="+mj-lt"/>
+                <a:cs typeface="JetBrains Mono" panose="02000009000000000000" pitchFamily="49" charset="0"/>
+              </a:endParaRPr>
+            </a:p>
+            <a:p>
+              <a:pPr eaLnBrk="0" fontAlgn="base" hangingPunct="0">
+                <a:spcBef>
+                  <a:spcPct val="0"/>
+                </a:spcBef>
+                <a:spcAft>
+                  <a:spcPct val="0"/>
+                </a:spcAft>
+              </a:pPr>
+              <a:endParaRPr lang="en-US" altLang="zh-TW" sz="1600">
+                <a:solidFill>
+                  <a:srgbClr val="BCBEC4"/>
+                </a:solidFill>
+                <a:latin typeface="+mj-lt"/>
+                <a:cs typeface="JetBrains Mono" panose="02000009000000000000" pitchFamily="49" charset="0"/>
+              </a:endParaRPr>
+            </a:p>
+            <a:p>
+              <a:pPr eaLnBrk="0" fontAlgn="base" hangingPunct="0">
+                <a:spcBef>
+                  <a:spcPct val="0"/>
+                </a:spcBef>
+                <a:spcAft>
+                  <a:spcPct val="0"/>
+                </a:spcAft>
+              </a:pPr>
+              <a:r>
+                <a:rPr kumimoji="0" lang="zh-TW" altLang="en-US" sz="1600" b="0" i="0" u="none" strike="noStrike" cap="none" normalizeH="0" baseline="0">
+                  <a:ln>
+                    <a:noFill/>
+                  </a:ln>
+                  <a:solidFill>
+                    <a:srgbClr val="FFC000"/>
+                  </a:solidFill>
+                  <a:effectLst/>
+                  <a:latin typeface="+mj-lt"/>
+                  <a:ea typeface="微軟正黑體" panose="020B0604030504040204" pitchFamily="34" charset="-120"/>
+                </a:rPr>
+                <a:t>    </a:t>
+              </a:r>
+              <a:r>
+                <a:rPr kumimoji="0" lang="zh-TW" altLang="zh-TW" sz="1600" b="0" i="0" u="none" strike="noStrike" cap="none" normalizeH="0" baseline="0">
+                  <a:ln>
+                    <a:noFill/>
+                  </a:ln>
+                  <a:solidFill>
+                    <a:srgbClr val="FFC000"/>
+                  </a:solidFill>
+                  <a:effectLst/>
+                  <a:latin typeface="+mj-lt"/>
+                  <a:ea typeface="微軟正黑體" panose="020B0604030504040204" pitchFamily="34" charset="-120"/>
+                </a:rPr>
+                <a:t>返回值型別 </a:t>
+              </a:r>
+              <a:r>
+                <a:rPr kumimoji="0" lang="zh-TW" altLang="zh-TW" sz="1600" b="0" i="0" u="none" strike="noStrike" cap="none" normalizeH="0" baseline="0">
+                  <a:ln>
+                    <a:noFill/>
+                  </a:ln>
+                  <a:solidFill>
+                    <a:srgbClr val="56A8F5"/>
+                  </a:solidFill>
+                  <a:effectLst/>
+                  <a:latin typeface="+mj-lt"/>
+                  <a:ea typeface="微軟正黑體" panose="020B0604030504040204" pitchFamily="34" charset="-120"/>
+                </a:rPr>
+                <a:t>函式名稱</a:t>
+              </a:r>
+              <a:r>
+                <a:rPr kumimoji="0" lang="zh-TW" altLang="zh-TW" sz="1600" b="0" i="0" u="none" strike="noStrike" cap="none" normalizeH="0" baseline="0">
+                  <a:ln>
+                    <a:noFill/>
+                  </a:ln>
+                  <a:solidFill>
+                    <a:srgbClr val="BCBEC4"/>
+                  </a:solidFill>
+                  <a:effectLst/>
+                  <a:latin typeface="+mj-lt"/>
+                  <a:ea typeface="微軟正黑體" panose="020B0604030504040204" pitchFamily="34" charset="-120"/>
+                  <a:cs typeface="JetBrains Mono" panose="02000009000000000000" pitchFamily="49" charset="0"/>
+                </a:rPr>
+                <a:t>(</a:t>
+              </a:r>
+              <a:r>
+                <a:rPr kumimoji="0" lang="zh-TW" altLang="zh-TW" sz="1600" b="0" i="0" u="none" strike="noStrike" cap="none" normalizeH="0" baseline="0">
+                  <a:ln>
+                    <a:noFill/>
+                  </a:ln>
+                  <a:solidFill>
+                    <a:srgbClr val="FFC000"/>
+                  </a:solidFill>
+                  <a:effectLst/>
+                  <a:latin typeface="+mj-lt"/>
+                  <a:ea typeface="微軟正黑體" panose="020B0604030504040204" pitchFamily="34" charset="-120"/>
+                </a:rPr>
+                <a:t>參數型別</a:t>
+              </a:r>
+              <a:r>
+                <a:rPr kumimoji="0" lang="zh-TW" altLang="zh-TW" sz="1600" b="0" i="0" u="none" strike="noStrike" cap="none" normalizeH="0" baseline="0">
+                  <a:ln>
+                    <a:noFill/>
+                  </a:ln>
+                  <a:solidFill>
+                    <a:srgbClr val="FFC000"/>
+                  </a:solidFill>
+                  <a:effectLst/>
+                  <a:latin typeface="+mj-lt"/>
+                  <a:ea typeface="微軟正黑體" panose="020B0604030504040204" pitchFamily="34" charset="-120"/>
+                  <a:cs typeface="JetBrains Mono" panose="02000009000000000000" pitchFamily="49" charset="0"/>
+                </a:rPr>
+                <a:t>1</a:t>
+              </a:r>
+              <a:r>
+                <a:rPr kumimoji="0" lang="zh-TW" altLang="zh-TW" sz="1600" b="0" i="0" u="none" strike="noStrike" cap="none" normalizeH="0" baseline="0">
+                  <a:ln>
+                    <a:noFill/>
+                  </a:ln>
+                  <a:solidFill>
+                    <a:srgbClr val="BCBEC4"/>
+                  </a:solidFill>
+                  <a:effectLst/>
+                  <a:latin typeface="+mj-lt"/>
+                  <a:ea typeface="微軟正黑體" panose="020B0604030504040204" pitchFamily="34" charset="-120"/>
+                  <a:cs typeface="JetBrains Mono" panose="02000009000000000000" pitchFamily="49" charset="0"/>
+                </a:rPr>
+                <a:t> </a:t>
+              </a:r>
+              <a:r>
+                <a:rPr kumimoji="0" lang="zh-TW" altLang="zh-TW" sz="1600" b="0" i="0" u="none" strike="noStrike" cap="none" normalizeH="0" baseline="0">
+                  <a:ln>
+                    <a:noFill/>
+                  </a:ln>
+                  <a:solidFill>
+                    <a:srgbClr val="92D050"/>
+                  </a:solidFill>
+                  <a:effectLst/>
+                  <a:latin typeface="+mj-lt"/>
+                  <a:ea typeface="微軟正黑體" panose="020B0604030504040204" pitchFamily="34" charset="-120"/>
+                </a:rPr>
+                <a:t>參數名稱</a:t>
+              </a:r>
+              <a:r>
+                <a:rPr kumimoji="0" lang="zh-TW" altLang="zh-TW" sz="1600" b="0" i="0" u="none" strike="noStrike" cap="none" normalizeH="0" baseline="0">
+                  <a:ln>
+                    <a:noFill/>
+                  </a:ln>
+                  <a:solidFill>
+                    <a:srgbClr val="92D050"/>
+                  </a:solidFill>
+                  <a:effectLst/>
+                  <a:latin typeface="+mj-lt"/>
+                  <a:ea typeface="微軟正黑體" panose="020B0604030504040204" pitchFamily="34" charset="-120"/>
+                  <a:cs typeface="JetBrains Mono" panose="02000009000000000000" pitchFamily="49" charset="0"/>
+                </a:rPr>
+                <a:t>1</a:t>
+              </a:r>
+              <a:r>
+                <a:rPr kumimoji="0" lang="zh-TW" altLang="zh-TW" sz="1600" b="0" i="0" u="none" strike="noStrike" cap="none" normalizeH="0" baseline="0">
+                  <a:ln>
+                    <a:noFill/>
+                  </a:ln>
+                  <a:solidFill>
+                    <a:srgbClr val="BCBEC4"/>
+                  </a:solidFill>
+                  <a:effectLst/>
+                  <a:latin typeface="+mj-lt"/>
+                  <a:ea typeface="微軟正黑體" panose="020B0604030504040204" pitchFamily="34" charset="-120"/>
+                  <a:cs typeface="JetBrains Mono" panose="02000009000000000000" pitchFamily="49" charset="0"/>
+                </a:rPr>
+                <a:t>, </a:t>
+              </a:r>
+              <a:r>
+                <a:rPr kumimoji="0" lang="zh-TW" altLang="zh-TW" sz="1600" b="0" i="0" u="none" strike="noStrike" cap="none" normalizeH="0" baseline="0">
+                  <a:ln>
+                    <a:noFill/>
+                  </a:ln>
+                  <a:solidFill>
+                    <a:srgbClr val="FFC000"/>
+                  </a:solidFill>
+                  <a:effectLst/>
+                  <a:latin typeface="+mj-lt"/>
+                  <a:ea typeface="微軟正黑體" panose="020B0604030504040204" pitchFamily="34" charset="-120"/>
+                </a:rPr>
+                <a:t>參數型別</a:t>
+              </a:r>
+              <a:r>
+                <a:rPr kumimoji="0" lang="zh-TW" altLang="zh-TW" sz="1600" b="0" i="0" u="none" strike="noStrike" cap="none" normalizeH="0" baseline="0">
+                  <a:ln>
+                    <a:noFill/>
+                  </a:ln>
+                  <a:solidFill>
+                    <a:srgbClr val="FFC000"/>
+                  </a:solidFill>
+                  <a:effectLst/>
+                  <a:latin typeface="+mj-lt"/>
+                  <a:ea typeface="微軟正黑體" panose="020B0604030504040204" pitchFamily="34" charset="-120"/>
+                  <a:cs typeface="JetBrains Mono" panose="02000009000000000000" pitchFamily="49" charset="0"/>
+                </a:rPr>
+                <a:t>2</a:t>
+              </a:r>
+              <a:r>
+                <a:rPr kumimoji="0" lang="zh-TW" altLang="zh-TW" sz="1600" b="0" i="0" u="none" strike="noStrike" cap="none" normalizeH="0" baseline="0">
+                  <a:ln>
+                    <a:noFill/>
+                  </a:ln>
+                  <a:solidFill>
+                    <a:srgbClr val="BCBEC4"/>
+                  </a:solidFill>
+                  <a:effectLst/>
+                  <a:latin typeface="+mj-lt"/>
+                  <a:ea typeface="微軟正黑體" panose="020B0604030504040204" pitchFamily="34" charset="-120"/>
+                  <a:cs typeface="JetBrains Mono" panose="02000009000000000000" pitchFamily="49" charset="0"/>
+                </a:rPr>
+                <a:t> </a:t>
+              </a:r>
+              <a:r>
+                <a:rPr kumimoji="0" lang="zh-TW" altLang="zh-TW" sz="1600" b="0" i="0" u="none" strike="noStrike" cap="none" normalizeH="0" baseline="0">
+                  <a:ln>
+                    <a:noFill/>
+                  </a:ln>
+                  <a:solidFill>
+                    <a:srgbClr val="92D050"/>
+                  </a:solidFill>
+                  <a:effectLst/>
+                  <a:latin typeface="+mj-lt"/>
+                  <a:ea typeface="微軟正黑體" panose="020B0604030504040204" pitchFamily="34" charset="-120"/>
+                </a:rPr>
+                <a:t>參數名稱</a:t>
+              </a:r>
+              <a:r>
+                <a:rPr kumimoji="0" lang="zh-TW" altLang="zh-TW" sz="1600" b="0" i="0" u="none" strike="noStrike" cap="none" normalizeH="0" baseline="0">
+                  <a:ln>
+                    <a:noFill/>
+                  </a:ln>
+                  <a:solidFill>
+                    <a:srgbClr val="92D050"/>
+                  </a:solidFill>
+                  <a:effectLst/>
+                  <a:latin typeface="+mj-lt"/>
+                  <a:ea typeface="微軟正黑體" panose="020B0604030504040204" pitchFamily="34" charset="-120"/>
+                  <a:cs typeface="JetBrains Mono" panose="02000009000000000000" pitchFamily="49" charset="0"/>
+                </a:rPr>
+                <a:t>2</a:t>
+              </a:r>
+              <a:r>
+                <a:rPr kumimoji="0" lang="zh-TW" altLang="zh-TW" sz="1600" b="0" i="0" u="none" strike="noStrike" cap="none" normalizeH="0" baseline="0">
+                  <a:ln>
+                    <a:noFill/>
+                  </a:ln>
+                  <a:solidFill>
+                    <a:srgbClr val="BCBEC4"/>
+                  </a:solidFill>
+                  <a:effectLst/>
+                  <a:latin typeface="+mj-lt"/>
+                  <a:ea typeface="微軟正黑體" panose="020B0604030504040204" pitchFamily="34" charset="-120"/>
+                  <a:cs typeface="JetBrains Mono" panose="02000009000000000000" pitchFamily="49" charset="0"/>
+                </a:rPr>
+                <a:t>, </a:t>
+              </a:r>
+              <a:r>
+                <a:rPr kumimoji="0" lang="zh-TW" altLang="zh-TW" sz="1600" b="0" i="0" u="none" strike="noStrike" cap="none" normalizeH="0" baseline="0">
+                  <a:ln>
+                    <a:noFill/>
+                  </a:ln>
+                  <a:solidFill>
+                    <a:srgbClr val="92D050"/>
+                  </a:solidFill>
+                  <a:effectLst/>
+                  <a:latin typeface="+mj-lt"/>
+                  <a:ea typeface="微軟正黑體" panose="020B0604030504040204" pitchFamily="34" charset="-120"/>
+                  <a:cs typeface="JetBrains Mono" panose="02000009000000000000" pitchFamily="49" charset="0"/>
+                </a:rPr>
+                <a:t>...</a:t>
+              </a:r>
+              <a:r>
+                <a:rPr kumimoji="0" lang="zh-TW" altLang="zh-TW" sz="1600" b="0" i="0" u="none" strike="noStrike" cap="none" normalizeH="0" baseline="0">
+                  <a:ln>
+                    <a:noFill/>
+                  </a:ln>
+                  <a:solidFill>
+                    <a:srgbClr val="BCBEC4"/>
+                  </a:solidFill>
+                  <a:effectLst/>
+                  <a:latin typeface="+mj-lt"/>
+                  <a:ea typeface="微軟正黑體" panose="020B0604030504040204" pitchFamily="34" charset="-120"/>
+                  <a:cs typeface="JetBrains Mono" panose="02000009000000000000" pitchFamily="49" charset="0"/>
+                </a:rPr>
+                <a:t>) {</a:t>
+              </a:r>
+              <a:br>
+                <a:rPr kumimoji="0" lang="zh-TW" altLang="zh-TW" sz="1600" b="0" i="0" u="none" strike="noStrike" cap="none" normalizeH="0" baseline="0">
+                  <a:ln>
+                    <a:noFill/>
+                  </a:ln>
+                  <a:solidFill>
+                    <a:srgbClr val="BCBEC4"/>
+                  </a:solidFill>
+                  <a:effectLst/>
+                  <a:latin typeface="+mj-lt"/>
+                  <a:ea typeface="微軟正黑體" panose="020B0604030504040204" pitchFamily="34" charset="-120"/>
+                  <a:cs typeface="JetBrains Mono" panose="02000009000000000000" pitchFamily="49" charset="0"/>
+                </a:rPr>
+              </a:br>
+              <a:r>
+                <a:rPr kumimoji="0" lang="zh-TW" altLang="zh-TW" sz="1600" b="0" i="0" u="none" strike="noStrike" cap="none" normalizeH="0" baseline="0">
+                  <a:ln>
+                    <a:noFill/>
+                  </a:ln>
+                  <a:solidFill>
+                    <a:srgbClr val="BCBEC4"/>
+                  </a:solidFill>
+                  <a:effectLst/>
+                  <a:latin typeface="+mj-lt"/>
+                  <a:ea typeface="微軟正黑體" panose="020B0604030504040204" pitchFamily="34" charset="-120"/>
+                  <a:cs typeface="JetBrains Mono" panose="02000009000000000000" pitchFamily="49" charset="0"/>
+                </a:rPr>
+                <a:t>    </a:t>
+              </a:r>
+              <a:r>
+                <a:rPr kumimoji="0" lang="en-US" altLang="zh-TW" sz="1600" b="0" i="0" u="none" strike="noStrike" cap="none" normalizeH="0" baseline="0">
+                  <a:ln>
+                    <a:noFill/>
+                  </a:ln>
+                  <a:solidFill>
+                    <a:srgbClr val="BCBEC4"/>
+                  </a:solidFill>
+                  <a:effectLst/>
+                  <a:latin typeface="+mj-lt"/>
+                  <a:ea typeface="微軟正黑體" panose="020B0604030504040204" pitchFamily="34" charset="-120"/>
+                  <a:cs typeface="JetBrains Mono" panose="02000009000000000000" pitchFamily="49" charset="0"/>
+                </a:rPr>
+                <a:t>    </a:t>
+              </a:r>
+              <a:r>
+                <a:rPr kumimoji="0" lang="zh-TW" altLang="zh-TW" sz="1600" b="0" i="0" u="none" strike="noStrike" cap="none" normalizeH="0" baseline="0">
+                  <a:ln>
+                    <a:noFill/>
+                  </a:ln>
+                  <a:solidFill>
+                    <a:srgbClr val="FFFF00"/>
+                  </a:solidFill>
+                  <a:effectLst/>
+                  <a:latin typeface="+mj-lt"/>
+                  <a:ea typeface="微軟正黑體" panose="020B0604030504040204" pitchFamily="34" charset="-120"/>
+                </a:rPr>
+                <a:t>陳述式</a:t>
+              </a:r>
+              <a:r>
+                <a:rPr kumimoji="0" lang="zh-TW" altLang="zh-TW" sz="1600" b="0" i="0" u="none" strike="noStrike" cap="none" normalizeH="0" baseline="0">
+                  <a:ln>
+                    <a:noFill/>
+                  </a:ln>
+                  <a:solidFill>
+                    <a:srgbClr val="FFFF00"/>
+                  </a:solidFill>
+                  <a:effectLst/>
+                  <a:latin typeface="+mj-lt"/>
+                  <a:ea typeface="微軟正黑體" panose="020B0604030504040204" pitchFamily="34" charset="-120"/>
+                  <a:cs typeface="JetBrains Mono" panose="02000009000000000000" pitchFamily="49" charset="0"/>
+                </a:rPr>
+                <a:t>...</a:t>
+              </a:r>
+              <a:br>
+                <a:rPr kumimoji="0" lang="zh-TW" altLang="zh-TW" sz="1600" b="0" i="0" u="none" strike="noStrike" cap="none" normalizeH="0" baseline="0">
+                  <a:ln>
+                    <a:noFill/>
+                  </a:ln>
+                  <a:solidFill>
+                    <a:srgbClr val="BCBEC4"/>
+                  </a:solidFill>
+                  <a:effectLst/>
+                  <a:latin typeface="+mj-lt"/>
+                  <a:ea typeface="微軟正黑體" panose="020B0604030504040204" pitchFamily="34" charset="-120"/>
+                  <a:cs typeface="JetBrains Mono" panose="02000009000000000000" pitchFamily="49" charset="0"/>
+                </a:rPr>
+              </a:br>
+              <a:r>
+                <a:rPr kumimoji="0" lang="en-US" altLang="zh-TW" sz="1600" b="0" i="0" u="none" strike="noStrike" cap="none" normalizeH="0" baseline="0">
+                  <a:ln>
+                    <a:noFill/>
+                  </a:ln>
+                  <a:solidFill>
+                    <a:srgbClr val="BCBEC4"/>
+                  </a:solidFill>
+                  <a:effectLst/>
+                  <a:latin typeface="+mj-lt"/>
+                  <a:ea typeface="微軟正黑體" panose="020B0604030504040204" pitchFamily="34" charset="-120"/>
+                  <a:cs typeface="JetBrains Mono" panose="02000009000000000000" pitchFamily="49" charset="0"/>
+                </a:rPr>
+                <a:t>    </a:t>
+              </a:r>
+              <a:r>
+                <a:rPr kumimoji="0" lang="zh-TW" altLang="zh-TW" sz="1600" b="0" i="0" u="none" strike="noStrike" cap="none" normalizeH="0" baseline="0">
+                  <a:ln>
+                    <a:noFill/>
+                  </a:ln>
+                  <a:solidFill>
+                    <a:srgbClr val="BCBEC4"/>
+                  </a:solidFill>
+                  <a:effectLst/>
+                  <a:latin typeface="+mj-lt"/>
+                  <a:ea typeface="微軟正黑體" panose="020B0604030504040204" pitchFamily="34" charset="-120"/>
+                  <a:cs typeface="JetBrains Mono" panose="02000009000000000000" pitchFamily="49" charset="0"/>
+                </a:rPr>
+                <a:t>}</a:t>
+              </a:r>
+              <a:endParaRPr kumimoji="0" lang="en-US" altLang="zh-TW" sz="1600" b="0" i="0" u="none" strike="noStrike" cap="none" normalizeH="0" baseline="0">
+                <a:ln>
+                  <a:noFill/>
+                </a:ln>
+                <a:solidFill>
+                  <a:srgbClr val="BCBEC4"/>
+                </a:solidFill>
+                <a:effectLst/>
+                <a:latin typeface="+mj-lt"/>
+                <a:ea typeface="微軟正黑體" panose="020B0604030504040204" pitchFamily="34" charset="-120"/>
+                <a:cs typeface="JetBrains Mono" panose="02000009000000000000" pitchFamily="49" charset="0"/>
+              </a:endParaRPr>
+            </a:p>
+            <a:p>
+              <a:pPr eaLnBrk="0" fontAlgn="base" hangingPunct="0">
+                <a:spcBef>
+                  <a:spcPct val="0"/>
+                </a:spcBef>
+                <a:spcAft>
+                  <a:spcPct val="0"/>
+                </a:spcAft>
+              </a:pPr>
+              <a:endParaRPr lang="en-US" altLang="zh-TW" sz="1600">
+                <a:solidFill>
+                  <a:srgbClr val="BCBEC4"/>
+                </a:solidFill>
+                <a:latin typeface="+mj-lt"/>
+                <a:ea typeface="微軟正黑體" panose="020B0604030504040204" pitchFamily="34" charset="-120"/>
+                <a:cs typeface="JetBrains Mono" panose="02000009000000000000" pitchFamily="49" charset="0"/>
+              </a:endParaRPr>
+            </a:p>
+            <a:p>
+              <a:pPr eaLnBrk="0" fontAlgn="base" hangingPunct="0">
+                <a:spcBef>
+                  <a:spcPct val="0"/>
+                </a:spcBef>
+                <a:spcAft>
+                  <a:spcPct val="0"/>
+                </a:spcAft>
+              </a:pPr>
+              <a:r>
+                <a:rPr lang="zh-TW" altLang="en-US" sz="1600">
+                  <a:solidFill>
+                    <a:srgbClr val="CF8E6D"/>
+                  </a:solidFill>
+                  <a:latin typeface="+mj-lt"/>
+                  <a:ea typeface="微軟正黑體" panose="020B0604030504040204" pitchFamily="34" charset="-120"/>
+                </a:rPr>
+                <a:t>    </a:t>
+              </a:r>
+              <a:r>
+                <a:rPr kumimoji="0" lang="zh-TW" altLang="zh-TW" sz="1600" b="0" i="0" u="none" strike="noStrike" cap="none" normalizeH="0" baseline="0">
+                  <a:ln>
+                    <a:noFill/>
+                  </a:ln>
+                  <a:solidFill>
+                    <a:srgbClr val="CF8E6D"/>
+                  </a:solidFill>
+                  <a:effectLst/>
+                  <a:latin typeface="+mj-lt"/>
+                  <a:ea typeface="微軟正黑體" panose="020B0604030504040204" pitchFamily="34" charset="-120"/>
+                </a:rPr>
+                <a:t>存取修飾子 </a:t>
+              </a:r>
+              <a:r>
+                <a:rPr kumimoji="0" lang="zh-TW" altLang="zh-TW" sz="1600" b="0" i="0" u="none" strike="noStrike" cap="none" normalizeH="0" baseline="0">
+                  <a:ln>
+                    <a:noFill/>
+                  </a:ln>
+                  <a:solidFill>
+                    <a:srgbClr val="CF8E6D"/>
+                  </a:solidFill>
+                  <a:effectLst/>
+                  <a:latin typeface="+mj-lt"/>
+                  <a:ea typeface="微軟正黑體" panose="020B0604030504040204" pitchFamily="34" charset="-120"/>
+                  <a:cs typeface="JetBrains Mono" panose="02000009000000000000" pitchFamily="49" charset="0"/>
+                </a:rPr>
+                <a:t>static</a:t>
+              </a:r>
+              <a:r>
+                <a:rPr kumimoji="0" lang="zh-TW" altLang="en-US" sz="1600" b="0" i="0" u="none" strike="noStrike" cap="none" normalizeH="0" baseline="0">
+                  <a:ln>
+                    <a:noFill/>
+                  </a:ln>
+                  <a:solidFill>
+                    <a:srgbClr val="CF8E6D"/>
+                  </a:solidFill>
+                  <a:effectLst/>
+                  <a:latin typeface="+mj-lt"/>
+                  <a:ea typeface="微軟正黑體" panose="020B0604030504040204" pitchFamily="34" charset="-120"/>
+                  <a:cs typeface="JetBrains Mono" panose="02000009000000000000" pitchFamily="49" charset="0"/>
+                </a:rPr>
+                <a:t> </a:t>
+              </a:r>
+              <a:r>
+                <a:rPr kumimoji="0" lang="zh-TW" altLang="zh-TW" sz="1600" b="0" i="0" u="none" strike="noStrike" cap="none" normalizeH="0" baseline="0">
+                  <a:ln>
+                    <a:noFill/>
+                  </a:ln>
+                  <a:solidFill>
+                    <a:srgbClr val="FFC000"/>
+                  </a:solidFill>
+                  <a:effectLst/>
+                  <a:latin typeface="+mj-lt"/>
+                  <a:ea typeface="微軟正黑體" panose="020B0604030504040204" pitchFamily="34" charset="-120"/>
+                </a:rPr>
+                <a:t>返回值型別 </a:t>
+              </a:r>
+              <a:r>
+                <a:rPr kumimoji="0" lang="zh-TW" altLang="zh-TW" sz="1600" b="0" i="0" u="none" strike="noStrike" cap="none" normalizeH="0" baseline="0">
+                  <a:ln>
+                    <a:noFill/>
+                  </a:ln>
+                  <a:solidFill>
+                    <a:srgbClr val="56A8F5"/>
+                  </a:solidFill>
+                  <a:effectLst/>
+                  <a:latin typeface="+mj-lt"/>
+                  <a:ea typeface="微軟正黑體" panose="020B0604030504040204" pitchFamily="34" charset="-120"/>
+                </a:rPr>
+                <a:t>函式名稱</a:t>
+              </a:r>
+              <a:r>
+                <a:rPr kumimoji="0" lang="zh-TW" altLang="zh-TW" sz="1600" b="0" i="0" u="none" strike="noStrike" cap="none" normalizeH="0" baseline="0">
+                  <a:ln>
+                    <a:noFill/>
+                  </a:ln>
+                  <a:solidFill>
+                    <a:srgbClr val="BCBEC4"/>
+                  </a:solidFill>
+                  <a:effectLst/>
+                  <a:latin typeface="+mj-lt"/>
+                  <a:ea typeface="微軟正黑體" panose="020B0604030504040204" pitchFamily="34" charset="-120"/>
+                  <a:cs typeface="JetBrains Mono" panose="02000009000000000000" pitchFamily="49" charset="0"/>
+                </a:rPr>
+                <a:t>(</a:t>
+              </a:r>
+              <a:r>
+                <a:rPr kumimoji="0" lang="zh-TW" altLang="zh-TW" sz="1600" b="0" i="0" u="none" strike="noStrike" cap="none" normalizeH="0" baseline="0">
+                  <a:ln>
+                    <a:noFill/>
+                  </a:ln>
+                  <a:solidFill>
+                    <a:srgbClr val="FFC000"/>
+                  </a:solidFill>
+                  <a:effectLst/>
+                  <a:latin typeface="+mj-lt"/>
+                  <a:ea typeface="微軟正黑體" panose="020B0604030504040204" pitchFamily="34" charset="-120"/>
+                </a:rPr>
+                <a:t>參數型別</a:t>
+              </a:r>
+              <a:r>
+                <a:rPr kumimoji="0" lang="zh-TW" altLang="zh-TW" sz="1600" b="0" i="0" u="none" strike="noStrike" cap="none" normalizeH="0" baseline="0">
+                  <a:ln>
+                    <a:noFill/>
+                  </a:ln>
+                  <a:solidFill>
+                    <a:srgbClr val="FFC000"/>
+                  </a:solidFill>
+                  <a:effectLst/>
+                  <a:latin typeface="+mj-lt"/>
+                  <a:ea typeface="微軟正黑體" panose="020B0604030504040204" pitchFamily="34" charset="-120"/>
+                  <a:cs typeface="JetBrains Mono" panose="02000009000000000000" pitchFamily="49" charset="0"/>
+                </a:rPr>
+                <a:t>1</a:t>
+              </a:r>
+              <a:r>
+                <a:rPr kumimoji="0" lang="zh-TW" altLang="zh-TW" sz="1600" b="0" i="0" u="none" strike="noStrike" cap="none" normalizeH="0" baseline="0">
+                  <a:ln>
+                    <a:noFill/>
+                  </a:ln>
+                  <a:solidFill>
+                    <a:srgbClr val="BCBEC4"/>
+                  </a:solidFill>
+                  <a:effectLst/>
+                  <a:latin typeface="+mj-lt"/>
+                  <a:ea typeface="微軟正黑體" panose="020B0604030504040204" pitchFamily="34" charset="-120"/>
+                  <a:cs typeface="JetBrains Mono" panose="02000009000000000000" pitchFamily="49" charset="0"/>
+                </a:rPr>
+                <a:t> </a:t>
+              </a:r>
+              <a:r>
+                <a:rPr kumimoji="0" lang="zh-TW" altLang="zh-TW" sz="1600" b="0" i="0" u="none" strike="noStrike" cap="none" normalizeH="0" baseline="0">
+                  <a:ln>
+                    <a:noFill/>
+                  </a:ln>
+                  <a:solidFill>
+                    <a:srgbClr val="92D050"/>
+                  </a:solidFill>
+                  <a:effectLst/>
+                  <a:latin typeface="+mj-lt"/>
+                  <a:ea typeface="微軟正黑體" panose="020B0604030504040204" pitchFamily="34" charset="-120"/>
+                </a:rPr>
+                <a:t>參數名稱</a:t>
+              </a:r>
+              <a:r>
+                <a:rPr kumimoji="0" lang="zh-TW" altLang="zh-TW" sz="1600" b="0" i="0" u="none" strike="noStrike" cap="none" normalizeH="0" baseline="0">
+                  <a:ln>
+                    <a:noFill/>
+                  </a:ln>
+                  <a:solidFill>
+                    <a:srgbClr val="92D050"/>
+                  </a:solidFill>
+                  <a:effectLst/>
+                  <a:latin typeface="+mj-lt"/>
+                  <a:ea typeface="微軟正黑體" panose="020B0604030504040204" pitchFamily="34" charset="-120"/>
+                  <a:cs typeface="JetBrains Mono" panose="02000009000000000000" pitchFamily="49" charset="0"/>
+                </a:rPr>
+                <a:t>1</a:t>
+              </a:r>
+              <a:r>
+                <a:rPr kumimoji="0" lang="zh-TW" altLang="zh-TW" sz="1600" b="0" i="0" u="none" strike="noStrike" cap="none" normalizeH="0" baseline="0">
+                  <a:ln>
+                    <a:noFill/>
+                  </a:ln>
+                  <a:solidFill>
+                    <a:srgbClr val="BCBEC4"/>
+                  </a:solidFill>
+                  <a:effectLst/>
+                  <a:latin typeface="+mj-lt"/>
+                  <a:ea typeface="微軟正黑體" panose="020B0604030504040204" pitchFamily="34" charset="-120"/>
+                  <a:cs typeface="JetBrains Mono" panose="02000009000000000000" pitchFamily="49" charset="0"/>
+                </a:rPr>
+                <a:t>, </a:t>
+              </a:r>
+              <a:r>
+                <a:rPr kumimoji="0" lang="zh-TW" altLang="zh-TW" sz="1600" b="0" i="0" u="none" strike="noStrike" cap="none" normalizeH="0" baseline="0">
+                  <a:ln>
+                    <a:noFill/>
+                  </a:ln>
+                  <a:solidFill>
+                    <a:srgbClr val="FFC000"/>
+                  </a:solidFill>
+                  <a:effectLst/>
+                  <a:latin typeface="+mj-lt"/>
+                  <a:ea typeface="微軟正黑體" panose="020B0604030504040204" pitchFamily="34" charset="-120"/>
+                </a:rPr>
+                <a:t>參數型別</a:t>
+              </a:r>
+              <a:r>
+                <a:rPr kumimoji="0" lang="zh-TW" altLang="zh-TW" sz="1600" b="0" i="0" u="none" strike="noStrike" cap="none" normalizeH="0" baseline="0">
+                  <a:ln>
+                    <a:noFill/>
+                  </a:ln>
+                  <a:solidFill>
+                    <a:srgbClr val="FFC000"/>
+                  </a:solidFill>
+                  <a:effectLst/>
+                  <a:latin typeface="+mj-lt"/>
+                  <a:ea typeface="微軟正黑體" panose="020B0604030504040204" pitchFamily="34" charset="-120"/>
+                  <a:cs typeface="JetBrains Mono" panose="02000009000000000000" pitchFamily="49" charset="0"/>
+                </a:rPr>
+                <a:t>2</a:t>
+              </a:r>
+              <a:r>
+                <a:rPr kumimoji="0" lang="zh-TW" altLang="zh-TW" sz="1600" b="0" i="0" u="none" strike="noStrike" cap="none" normalizeH="0" baseline="0">
+                  <a:ln>
+                    <a:noFill/>
+                  </a:ln>
+                  <a:solidFill>
+                    <a:srgbClr val="BCBEC4"/>
+                  </a:solidFill>
+                  <a:effectLst/>
+                  <a:latin typeface="+mj-lt"/>
+                  <a:ea typeface="微軟正黑體" panose="020B0604030504040204" pitchFamily="34" charset="-120"/>
+                  <a:cs typeface="JetBrains Mono" panose="02000009000000000000" pitchFamily="49" charset="0"/>
+                </a:rPr>
+                <a:t> </a:t>
+              </a:r>
+              <a:r>
+                <a:rPr kumimoji="0" lang="zh-TW" altLang="zh-TW" sz="1600" b="0" i="0" u="none" strike="noStrike" cap="none" normalizeH="0" baseline="0">
+                  <a:ln>
+                    <a:noFill/>
+                  </a:ln>
+                  <a:solidFill>
+                    <a:srgbClr val="92D050"/>
+                  </a:solidFill>
+                  <a:effectLst/>
+                  <a:latin typeface="+mj-lt"/>
+                  <a:ea typeface="微軟正黑體" panose="020B0604030504040204" pitchFamily="34" charset="-120"/>
+                </a:rPr>
+                <a:t>參數名稱</a:t>
+              </a:r>
+              <a:r>
+                <a:rPr kumimoji="0" lang="zh-TW" altLang="zh-TW" sz="1600" b="0" i="0" u="none" strike="noStrike" cap="none" normalizeH="0" baseline="0">
+                  <a:ln>
+                    <a:noFill/>
+                  </a:ln>
+                  <a:solidFill>
+                    <a:srgbClr val="92D050"/>
+                  </a:solidFill>
+                  <a:effectLst/>
+                  <a:latin typeface="+mj-lt"/>
+                  <a:ea typeface="微軟正黑體" panose="020B0604030504040204" pitchFamily="34" charset="-120"/>
+                  <a:cs typeface="JetBrains Mono" panose="02000009000000000000" pitchFamily="49" charset="0"/>
+                </a:rPr>
+                <a:t>2</a:t>
+              </a:r>
+              <a:r>
+                <a:rPr kumimoji="0" lang="zh-TW" altLang="zh-TW" sz="1600" b="0" i="0" u="none" strike="noStrike" cap="none" normalizeH="0" baseline="0">
+                  <a:ln>
+                    <a:noFill/>
+                  </a:ln>
+                  <a:solidFill>
+                    <a:srgbClr val="BCBEC4"/>
+                  </a:solidFill>
+                  <a:effectLst/>
+                  <a:latin typeface="+mj-lt"/>
+                  <a:ea typeface="微軟正黑體" panose="020B0604030504040204" pitchFamily="34" charset="-120"/>
+                  <a:cs typeface="JetBrains Mono" panose="02000009000000000000" pitchFamily="49" charset="0"/>
+                </a:rPr>
+                <a:t>, </a:t>
+              </a:r>
+              <a:r>
+                <a:rPr kumimoji="0" lang="zh-TW" altLang="zh-TW" sz="1600" b="0" i="0" u="none" strike="noStrike" cap="none" normalizeH="0" baseline="0">
+                  <a:ln>
+                    <a:noFill/>
+                  </a:ln>
+                  <a:solidFill>
+                    <a:srgbClr val="92D050"/>
+                  </a:solidFill>
+                  <a:effectLst/>
+                  <a:latin typeface="+mj-lt"/>
+                  <a:ea typeface="微軟正黑體" panose="020B0604030504040204" pitchFamily="34" charset="-120"/>
+                  <a:cs typeface="JetBrains Mono" panose="02000009000000000000" pitchFamily="49" charset="0"/>
+                </a:rPr>
+                <a:t>...</a:t>
+              </a:r>
+              <a:r>
+                <a:rPr kumimoji="0" lang="zh-TW" altLang="zh-TW" sz="1600" b="0" i="0" u="none" strike="noStrike" cap="none" normalizeH="0" baseline="0">
+                  <a:ln>
+                    <a:noFill/>
+                  </a:ln>
+                  <a:solidFill>
+                    <a:srgbClr val="BCBEC4"/>
+                  </a:solidFill>
+                  <a:effectLst/>
+                  <a:latin typeface="+mj-lt"/>
+                  <a:ea typeface="微軟正黑體" panose="020B0604030504040204" pitchFamily="34" charset="-120"/>
+                  <a:cs typeface="JetBrains Mono" panose="02000009000000000000" pitchFamily="49" charset="0"/>
+                </a:rPr>
+                <a:t>) {</a:t>
+              </a:r>
+              <a:br>
+                <a:rPr kumimoji="0" lang="zh-TW" altLang="zh-TW" sz="1600" b="0" i="0" u="none" strike="noStrike" cap="none" normalizeH="0" baseline="0">
+                  <a:ln>
+                    <a:noFill/>
+                  </a:ln>
+                  <a:solidFill>
+                    <a:srgbClr val="BCBEC4"/>
+                  </a:solidFill>
+                  <a:effectLst/>
+                  <a:latin typeface="+mj-lt"/>
+                  <a:ea typeface="微軟正黑體" panose="020B0604030504040204" pitchFamily="34" charset="-120"/>
+                  <a:cs typeface="JetBrains Mono" panose="02000009000000000000" pitchFamily="49" charset="0"/>
+                </a:rPr>
+              </a:br>
+              <a:r>
+                <a:rPr kumimoji="0" lang="zh-TW" altLang="zh-TW" sz="1600" b="0" i="0" u="none" strike="noStrike" cap="none" normalizeH="0" baseline="0">
+                  <a:ln>
+                    <a:noFill/>
+                  </a:ln>
+                  <a:solidFill>
+                    <a:srgbClr val="BCBEC4"/>
+                  </a:solidFill>
+                  <a:effectLst/>
+                  <a:latin typeface="+mj-lt"/>
+                  <a:ea typeface="微軟正黑體" panose="020B0604030504040204" pitchFamily="34" charset="-120"/>
+                  <a:cs typeface="JetBrains Mono" panose="02000009000000000000" pitchFamily="49" charset="0"/>
+                </a:rPr>
+                <a:t>    </a:t>
+              </a:r>
+              <a:r>
+                <a:rPr kumimoji="0" lang="en-US" altLang="zh-TW" sz="1600" b="0" i="0" u="none" strike="noStrike" cap="none" normalizeH="0" baseline="0">
+                  <a:ln>
+                    <a:noFill/>
+                  </a:ln>
+                  <a:solidFill>
+                    <a:srgbClr val="BCBEC4"/>
+                  </a:solidFill>
+                  <a:effectLst/>
+                  <a:latin typeface="+mj-lt"/>
+                  <a:ea typeface="微軟正黑體" panose="020B0604030504040204" pitchFamily="34" charset="-120"/>
+                  <a:cs typeface="JetBrains Mono" panose="02000009000000000000" pitchFamily="49" charset="0"/>
+                </a:rPr>
+                <a:t>    </a:t>
+              </a:r>
+              <a:r>
+                <a:rPr kumimoji="0" lang="zh-TW" altLang="zh-TW" sz="1600" b="0" i="0" u="none" strike="noStrike" cap="none" normalizeH="0" baseline="0">
+                  <a:ln>
+                    <a:noFill/>
+                  </a:ln>
+                  <a:solidFill>
+                    <a:srgbClr val="FFFF00"/>
+                  </a:solidFill>
+                  <a:effectLst/>
+                  <a:latin typeface="+mj-lt"/>
+                  <a:ea typeface="微軟正黑體" panose="020B0604030504040204" pitchFamily="34" charset="-120"/>
+                </a:rPr>
+                <a:t>陳述式</a:t>
+              </a:r>
+              <a:r>
+                <a:rPr kumimoji="0" lang="zh-TW" altLang="zh-TW" sz="1600" b="0" i="0" u="none" strike="noStrike" cap="none" normalizeH="0" baseline="0">
+                  <a:ln>
+                    <a:noFill/>
+                  </a:ln>
+                  <a:solidFill>
+                    <a:srgbClr val="FFFF00"/>
+                  </a:solidFill>
+                  <a:effectLst/>
+                  <a:latin typeface="+mj-lt"/>
+                  <a:ea typeface="微軟正黑體" panose="020B0604030504040204" pitchFamily="34" charset="-120"/>
+                  <a:cs typeface="JetBrains Mono" panose="02000009000000000000" pitchFamily="49" charset="0"/>
+                </a:rPr>
+                <a:t>...</a:t>
+              </a:r>
+              <a:br>
+                <a:rPr kumimoji="0" lang="zh-TW" altLang="zh-TW" sz="1600" b="0" i="0" u="none" strike="noStrike" cap="none" normalizeH="0" baseline="0">
+                  <a:ln>
+                    <a:noFill/>
+                  </a:ln>
+                  <a:solidFill>
+                    <a:srgbClr val="BCBEC4"/>
+                  </a:solidFill>
+                  <a:effectLst/>
+                  <a:latin typeface="+mj-lt"/>
+                  <a:ea typeface="微軟正黑體" panose="020B0604030504040204" pitchFamily="34" charset="-120"/>
+                  <a:cs typeface="JetBrains Mono" panose="02000009000000000000" pitchFamily="49" charset="0"/>
+                </a:rPr>
+              </a:br>
+              <a:r>
+                <a:rPr kumimoji="0" lang="en-US" altLang="zh-TW" sz="1600" b="0" i="0" u="none" strike="noStrike" cap="none" normalizeH="0" baseline="0">
+                  <a:ln>
+                    <a:noFill/>
+                  </a:ln>
+                  <a:solidFill>
+                    <a:srgbClr val="BCBEC4"/>
+                  </a:solidFill>
+                  <a:effectLst/>
+                  <a:latin typeface="+mj-lt"/>
+                  <a:ea typeface="微軟正黑體" panose="020B0604030504040204" pitchFamily="34" charset="-120"/>
+                  <a:cs typeface="JetBrains Mono" panose="02000009000000000000" pitchFamily="49" charset="0"/>
+                </a:rPr>
+                <a:t>    </a:t>
+              </a:r>
+              <a:r>
+                <a:rPr kumimoji="0" lang="zh-TW" altLang="zh-TW" sz="1600" b="0" i="0" u="none" strike="noStrike" cap="none" normalizeH="0" baseline="0">
+                  <a:ln>
+                    <a:noFill/>
+                  </a:ln>
+                  <a:solidFill>
+                    <a:srgbClr val="BCBEC4"/>
+                  </a:solidFill>
+                  <a:effectLst/>
+                  <a:latin typeface="+mj-lt"/>
+                  <a:ea typeface="微軟正黑體" panose="020B0604030504040204" pitchFamily="34" charset="-120"/>
+                  <a:cs typeface="JetBrains Mono" panose="02000009000000000000" pitchFamily="49" charset="0"/>
+                </a:rPr>
+                <a:t>}</a:t>
+              </a:r>
+              <a:endParaRPr kumimoji="0" lang="en-US" altLang="zh-TW" sz="1600" b="0" i="0" u="none" strike="noStrike" cap="none" normalizeH="0" baseline="0">
+                <a:ln>
+                  <a:noFill/>
+                </a:ln>
+                <a:solidFill>
+                  <a:srgbClr val="BCBEC4"/>
+                </a:solidFill>
+                <a:effectLst/>
+                <a:latin typeface="+mj-lt"/>
+                <a:ea typeface="微軟正黑體" panose="020B0604030504040204" pitchFamily="34" charset="-120"/>
+                <a:cs typeface="JetBrains Mono" panose="02000009000000000000" pitchFamily="49" charset="0"/>
+              </a:endParaRPr>
+            </a:p>
+            <a:p>
+              <a:pPr eaLnBrk="0" fontAlgn="base" hangingPunct="0">
+                <a:spcBef>
+                  <a:spcPct val="0"/>
+                </a:spcBef>
+                <a:spcAft>
+                  <a:spcPct val="0"/>
+                </a:spcAft>
+              </a:pPr>
+              <a:br>
+                <a:rPr kumimoji="0" lang="zh-TW" altLang="zh-TW" sz="1600" b="0" i="0" u="none" strike="noStrike" cap="none" normalizeH="0" baseline="0">
+                  <a:ln>
+                    <a:noFill/>
+                  </a:ln>
+                  <a:solidFill>
+                    <a:srgbClr val="BCBEC4"/>
+                  </a:solidFill>
+                  <a:effectLst/>
+                  <a:latin typeface="+mj-lt"/>
+                  <a:cs typeface="JetBrains Mono" panose="02000009000000000000" pitchFamily="49" charset="0"/>
+                </a:rPr>
+              </a:br>
+              <a:br>
+                <a:rPr kumimoji="0" lang="zh-TW" altLang="zh-TW" sz="1600" b="0" i="0" u="none" strike="noStrike" cap="none" normalizeH="0" baseline="0">
+                  <a:ln>
+                    <a:noFill/>
+                  </a:ln>
+                  <a:solidFill>
+                    <a:srgbClr val="BCBEC4"/>
+                  </a:solidFill>
+                  <a:effectLst/>
+                  <a:latin typeface="+mj-lt"/>
+                  <a:cs typeface="JetBrains Mono" panose="02000009000000000000" pitchFamily="49" charset="0"/>
+                </a:rPr>
+              </a:br>
+              <a:r>
+                <a:rPr kumimoji="0" lang="zh-TW" altLang="zh-TW" sz="1600" b="0" i="0" u="none" strike="noStrike" cap="none" normalizeH="0" baseline="0">
+                  <a:ln>
+                    <a:noFill/>
+                  </a:ln>
+                  <a:solidFill>
+                    <a:srgbClr val="BCBEC4"/>
+                  </a:solidFill>
+                  <a:effectLst/>
+                  <a:latin typeface="+mj-lt"/>
+                  <a:cs typeface="JetBrains Mono" panose="02000009000000000000" pitchFamily="49" charset="0"/>
+                </a:rPr>
+                <a:t>    </a:t>
+              </a:r>
+              <a:r>
+                <a:rPr kumimoji="0" lang="zh-TW" altLang="zh-TW" sz="1600" b="0" i="0" u="none" strike="noStrike" cap="none" normalizeH="0" baseline="0">
+                  <a:ln>
+                    <a:noFill/>
+                  </a:ln>
+                  <a:solidFill>
+                    <a:srgbClr val="CF8E6D"/>
+                  </a:solidFill>
+                  <a:effectLst/>
+                  <a:latin typeface="+mj-lt"/>
+                  <a:cs typeface="JetBrains Mono" panose="02000009000000000000" pitchFamily="49" charset="0"/>
+                </a:rPr>
+                <a:t>public static void </a:t>
+              </a:r>
+              <a:r>
+                <a:rPr kumimoji="0" lang="zh-TW" altLang="zh-TW" sz="1600" b="0" i="0" u="none" strike="noStrike" cap="none" normalizeH="0" baseline="0">
+                  <a:ln>
+                    <a:noFill/>
+                  </a:ln>
+                  <a:solidFill>
+                    <a:srgbClr val="56A8F5"/>
+                  </a:solidFill>
+                  <a:effectLst/>
+                  <a:latin typeface="+mj-lt"/>
+                  <a:cs typeface="JetBrains Mono" panose="02000009000000000000" pitchFamily="49" charset="0"/>
+                </a:rPr>
+                <a:t>main</a:t>
+              </a:r>
+              <a:r>
+                <a:rPr kumimoji="0" lang="zh-TW" altLang="zh-TW" sz="1600" b="0" i="0" u="none" strike="noStrike" cap="none" normalizeH="0" baseline="0">
+                  <a:ln>
+                    <a:noFill/>
+                  </a:ln>
+                  <a:solidFill>
+                    <a:srgbClr val="BCBEC4"/>
+                  </a:solidFill>
+                  <a:effectLst/>
+                  <a:latin typeface="+mj-lt"/>
+                  <a:cs typeface="JetBrains Mono" panose="02000009000000000000" pitchFamily="49" charset="0"/>
+                </a:rPr>
+                <a:t>(String[] args) {}</a:t>
+              </a:r>
+              <a:br>
+                <a:rPr kumimoji="0" lang="zh-TW" altLang="zh-TW" sz="1600" b="0" i="0" u="none" strike="noStrike" cap="none" normalizeH="0" baseline="0">
+                  <a:ln>
+                    <a:noFill/>
+                  </a:ln>
+                  <a:solidFill>
+                    <a:srgbClr val="BCBEC4"/>
+                  </a:solidFill>
+                  <a:effectLst/>
+                  <a:latin typeface="+mj-lt"/>
+                  <a:cs typeface="JetBrains Mono" panose="02000009000000000000" pitchFamily="49" charset="0"/>
+                </a:rPr>
+              </a:br>
+              <a:r>
+                <a:rPr kumimoji="0" lang="zh-TW" altLang="zh-TW" sz="1600" b="0" i="0" u="none" strike="noStrike" cap="none" normalizeH="0" baseline="0">
+                  <a:ln>
+                    <a:noFill/>
+                  </a:ln>
+                  <a:solidFill>
+                    <a:srgbClr val="BCBEC4"/>
+                  </a:solidFill>
+                  <a:effectLst/>
+                  <a:latin typeface="+mj-lt"/>
+                  <a:cs typeface="JetBrains Mono" panose="02000009000000000000" pitchFamily="49" charset="0"/>
+                </a:rPr>
+                <a:t>}</a:t>
+              </a:r>
+              <a:endParaRPr kumimoji="0" lang="zh-TW" altLang="zh-TW" sz="1600" b="0" i="0" u="none" strike="noStrike" cap="none" normalizeH="0" baseline="0">
+                <a:ln>
+                  <a:noFill/>
+                </a:ln>
+                <a:solidFill>
+                  <a:schemeClr val="tx1"/>
+                </a:solidFill>
+                <a:effectLst/>
+                <a:latin typeface="+mj-lt"/>
+              </a:endParaRPr>
+            </a:p>
+          </p:txBody>
+        </p:sp>
+        <p:sp>
+          <p:nvSpPr>
+            <p:cNvPr id="6" name="文字方塊 5">
+              <a:extLst>
+                <a:ext uri="{FF2B5EF4-FFF2-40B4-BE49-F238E27FC236}">
+                  <a16:creationId xmlns:a16="http://schemas.microsoft.com/office/drawing/2014/main" id="{38D68BF8-9427-4F3C-8CC4-E7CACA8FDC04}"/>
+                </a:ext>
+              </a:extLst>
+            </p:cNvPr>
+            <p:cNvSpPr txBox="1"/>
+            <p:nvPr/>
+          </p:nvSpPr>
+          <p:spPr>
+            <a:xfrm>
+              <a:off x="10720291" y="7249949"/>
+              <a:ext cx="633507" cy="338554"/>
+            </a:xfrm>
+            <a:prstGeom prst="rect">
+              <a:avLst/>
+            </a:prstGeom>
+            <a:noFill/>
+          </p:spPr>
+          <p:txBody>
+            <a:bodyPr wrap="none" rtlCol="0">
+              <a:spAutoFit/>
+            </a:bodyPr>
+            <a:lstStyle/>
+            <a:p>
+              <a:r>
+                <a:rPr lang="en-US" altLang="zh-TW" sz="1600">
+                  <a:solidFill>
+                    <a:schemeClr val="accent3"/>
+                  </a:solidFill>
+                </a:rPr>
+                <a:t>java</a:t>
+              </a:r>
+              <a:endParaRPr lang="zh-TW" altLang="en-US" sz="1600">
+                <a:solidFill>
+                  <a:schemeClr val="accent3"/>
+                </a:solidFill>
+              </a:endParaRPr>
+            </a:p>
+          </p:txBody>
+        </p:sp>
+      </p:grpSp>
+    </p:spTree>
+    <p:extLst>
+      <p:ext uri="{BB962C8B-B14F-4D97-AF65-F5344CB8AC3E}">
+        <p14:creationId xmlns:p14="http://schemas.microsoft.com/office/powerpoint/2010/main" val="4050444100"/>
       </p:ext>
     </p:extLst>
   </p:cSld>
